--- a/SoCraTes 2025 - SQL Injection.pptx
+++ b/SoCraTes 2025 - SQL Injection.pptx
@@ -5,7 +5,7 @@
     <p:sldMasterId id="2147483674" r:id="rId1"/>
   </p:sldMasterIdLst>
   <p:notesMasterIdLst>
-    <p:notesMasterId r:id="rId17"/>
+    <p:notesMasterId r:id="rId18"/>
   </p:notesMasterIdLst>
   <p:sldIdLst>
     <p:sldId id="256" r:id="rId2"/>
@@ -14,57 +14,58 @@
     <p:sldId id="265" r:id="rId5"/>
     <p:sldId id="268" r:id="rId6"/>
     <p:sldId id="266" r:id="rId7"/>
-    <p:sldId id="269" r:id="rId8"/>
-    <p:sldId id="270" r:id="rId9"/>
+    <p:sldId id="270" r:id="rId8"/>
+    <p:sldId id="269" r:id="rId9"/>
     <p:sldId id="272" r:id="rId10"/>
-    <p:sldId id="273" r:id="rId11"/>
-    <p:sldId id="274" r:id="rId12"/>
-    <p:sldId id="276" r:id="rId13"/>
-    <p:sldId id="277" r:id="rId14"/>
-    <p:sldId id="258" r:id="rId15"/>
-    <p:sldId id="264" r:id="rId16"/>
+    <p:sldId id="278" r:id="rId11"/>
+    <p:sldId id="276" r:id="rId12"/>
+    <p:sldId id="277" r:id="rId13"/>
+    <p:sldId id="258" r:id="rId14"/>
+    <p:sldId id="273" r:id="rId15"/>
+    <p:sldId id="274" r:id="rId16"/>
+    <p:sldId id="264" r:id="rId17"/>
   </p:sldIdLst>
   <p:sldSz cx="9144000" cy="5143500" type="screen16x9"/>
   <p:notesSz cx="6858000" cy="9144000"/>
   <p:embeddedFontLst>
     <p:embeddedFont>
       <p:font typeface="Anonymous Pro" panose="020B0604020202020204" charset="0"/>
-      <p:regular r:id="rId18"/>
-      <p:bold r:id="rId19"/>
-      <p:italic r:id="rId20"/>
-      <p:boldItalic r:id="rId21"/>
+      <p:regular r:id="rId19"/>
+      <p:bold r:id="rId20"/>
+      <p:italic r:id="rId21"/>
+      <p:boldItalic r:id="rId22"/>
     </p:embeddedFont>
     <p:embeddedFont>
       <p:font typeface="Barlow Condensed" panose="00000506000000000000" pitchFamily="2" charset="0"/>
-      <p:regular r:id="rId22"/>
-      <p:bold r:id="rId23"/>
-      <p:italic r:id="rId24"/>
-      <p:boldItalic r:id="rId25"/>
+      <p:regular r:id="rId23"/>
+      <p:bold r:id="rId24"/>
+      <p:italic r:id="rId25"/>
+      <p:boldItalic r:id="rId26"/>
     </p:embeddedFont>
     <p:embeddedFont>
       <p:font typeface="Barlow Condensed Light" panose="00000406000000000000" pitchFamily="2" charset="0"/>
-      <p:regular r:id="rId26"/>
-      <p:bold r:id="rId27"/>
-      <p:italic r:id="rId28"/>
-      <p:boldItalic r:id="rId29"/>
+      <p:regular r:id="rId27"/>
+      <p:bold r:id="rId28"/>
+      <p:italic r:id="rId29"/>
+      <p:boldItalic r:id="rId30"/>
     </p:embeddedFont>
     <p:embeddedFont>
       <p:font typeface="Barlow Condensed Medium" panose="00000606000000000000" pitchFamily="2" charset="0"/>
-      <p:regular r:id="rId30"/>
-      <p:bold r:id="rId31"/>
-      <p:italic r:id="rId32"/>
-      <p:boldItalic r:id="rId33"/>
+      <p:regular r:id="rId31"/>
+      <p:bold r:id="rId32"/>
+      <p:italic r:id="rId33"/>
+      <p:boldItalic r:id="rId34"/>
     </p:embeddedFont>
     <p:embeddedFont>
       <p:font typeface="Barlow Condensed SemiBold" panose="00000706000000000000" pitchFamily="2" charset="0"/>
-      <p:regular r:id="rId34"/>
-      <p:bold r:id="rId35"/>
-      <p:italic r:id="rId36"/>
-      <p:boldItalic r:id="rId37"/>
+      <p:regular r:id="rId35"/>
+      <p:bold r:id="rId36"/>
+      <p:italic r:id="rId37"/>
+      <p:boldItalic r:id="rId38"/>
     </p:embeddedFont>
     <p:embeddedFont>
       <p:font typeface="Comic Mono" pitchFamily="1" charset="0"/>
-      <p:regular r:id="rId38"/>
+      <p:regular r:id="rId39"/>
     </p:embeddedFont>
   </p:embeddedFontLst>
   <p:defaultTextStyle>
@@ -868,6 +869,491 @@
         <p:cNvPr id="1" name="Shape 124">
           <a:extLst>
             <a:ext uri="{FF2B5EF4-FFF2-40B4-BE49-F238E27FC236}">
+              <a16:creationId xmlns:a16="http://schemas.microsoft.com/office/drawing/2014/main" id="{8A8E1991-5385-EE36-F31F-45C59D48CAC4}"/>
+            </a:ext>
+          </a:extLst>
+        </p:cNvPr>
+        <p:cNvGrpSpPr/>
+        <p:nvPr/>
+      </p:nvGrpSpPr>
+      <p:grpSpPr>
+        <a:xfrm>
+          <a:off x="0" y="0"/>
+          <a:ext cx="0" cy="0"/>
+          <a:chOff x="0" y="0"/>
+          <a:chExt cx="0" cy="0"/>
+        </a:xfrm>
+      </p:grpSpPr>
+      <p:sp>
+        <p:nvSpPr>
+          <p:cNvPr id="125" name="Google Shape;125;g3575121a9be_0_1:notes">
+            <a:extLst>
+              <a:ext uri="{FF2B5EF4-FFF2-40B4-BE49-F238E27FC236}">
+                <a16:creationId xmlns:a16="http://schemas.microsoft.com/office/drawing/2014/main" id="{E85797D6-28BD-82E2-BB85-B7AA0A3134A0}"/>
+              </a:ext>
+            </a:extLst>
+          </p:cNvPr>
+          <p:cNvSpPr>
+            <a:spLocks noGrp="1" noRot="1" noChangeAspect="1"/>
+          </p:cNvSpPr>
+          <p:nvPr>
+            <p:ph type="sldImg" idx="2"/>
+          </p:nvPr>
+        </p:nvSpPr>
+        <p:spPr>
+          <a:xfrm>
+            <a:off x="381000" y="685800"/>
+            <a:ext cx="6096000" cy="3429000"/>
+          </a:xfrm>
+          <a:custGeom>
+            <a:avLst/>
+            <a:gdLst/>
+            <a:ahLst/>
+            <a:cxnLst/>
+            <a:rect l="l" t="t" r="r" b="b"/>
+            <a:pathLst>
+              <a:path w="120000" h="120000" extrusionOk="0">
+                <a:moveTo>
+                  <a:pt x="0" y="0"/>
+                </a:moveTo>
+                <a:lnTo>
+                  <a:pt x="120000" y="0"/>
+                </a:lnTo>
+                <a:lnTo>
+                  <a:pt x="120000" y="120000"/>
+                </a:lnTo>
+                <a:lnTo>
+                  <a:pt x="0" y="120000"/>
+                </a:lnTo>
+                <a:close/>
+              </a:path>
+            </a:pathLst>
+          </a:custGeom>
+        </p:spPr>
+      </p:sp>
+      <p:sp>
+        <p:nvSpPr>
+          <p:cNvPr id="126" name="Google Shape;126;g3575121a9be_0_1:notes">
+            <a:extLst>
+              <a:ext uri="{FF2B5EF4-FFF2-40B4-BE49-F238E27FC236}">
+                <a16:creationId xmlns:a16="http://schemas.microsoft.com/office/drawing/2014/main" id="{0F378A8D-4710-B732-5B07-CFA0DC769294}"/>
+              </a:ext>
+            </a:extLst>
+          </p:cNvPr>
+          <p:cNvSpPr txBox="1">
+            <a:spLocks noGrp="1"/>
+          </p:cNvSpPr>
+          <p:nvPr>
+            <p:ph type="body" idx="1"/>
+          </p:nvPr>
+        </p:nvSpPr>
+        <p:spPr>
+          <a:xfrm>
+            <a:off x="685800" y="4343400"/>
+            <a:ext cx="5486400" cy="4114800"/>
+          </a:xfrm>
+          <a:prstGeom prst="rect">
+            <a:avLst/>
+          </a:prstGeom>
+        </p:spPr>
+        <p:txBody>
+          <a:bodyPr spcFirstLastPara="1" wrap="square" lIns="91425" tIns="91425" rIns="91425" bIns="91425" anchor="t" anchorCtr="0">
+            <a:noAutofit/>
+          </a:bodyPr>
+          <a:lstStyle/>
+          <a:p>
+            <a:pPr marL="0" lvl="0" indent="0" algn="l" rtl="0">
+              <a:spcBef>
+                <a:spcPts val="0"/>
+              </a:spcBef>
+              <a:spcAft>
+                <a:spcPts val="0"/>
+              </a:spcAft>
+              <a:buNone/>
+            </a:pPr>
+            <a:endParaRPr/>
+          </a:p>
+        </p:txBody>
+      </p:sp>
+    </p:spTree>
+    <p:extLst>
+      <p:ext uri="{BB962C8B-B14F-4D97-AF65-F5344CB8AC3E}">
+        <p14:creationId xmlns:p14="http://schemas.microsoft.com/office/powerpoint/2010/main" val="668011354"/>
+      </p:ext>
+    </p:extLst>
+  </p:cSld>
+  <p:clrMapOvr>
+    <a:masterClrMapping/>
+  </p:clrMapOvr>
+</p:notes>
+</file>
+
+<file path=ppt/notesSlides/notesSlide11.xml><?xml version="1.0" encoding="utf-8"?>
+<p:notes xmlns:a="http://schemas.openxmlformats.org/drawingml/2006/main" xmlns:r="http://schemas.openxmlformats.org/officeDocument/2006/relationships" xmlns:p="http://schemas.openxmlformats.org/presentationml/2006/main" showMasterSp="0" showMasterPhAnim="0">
+  <p:cSld>
+    <p:spTree>
+      <p:nvGrpSpPr>
+        <p:cNvPr id="1" name="Shape 124">
+          <a:extLst>
+            <a:ext uri="{FF2B5EF4-FFF2-40B4-BE49-F238E27FC236}">
+              <a16:creationId xmlns:a16="http://schemas.microsoft.com/office/drawing/2014/main" id="{66B2EE2A-2124-2E18-4598-603CBCEB2483}"/>
+            </a:ext>
+          </a:extLst>
+        </p:cNvPr>
+        <p:cNvGrpSpPr/>
+        <p:nvPr/>
+      </p:nvGrpSpPr>
+      <p:grpSpPr>
+        <a:xfrm>
+          <a:off x="0" y="0"/>
+          <a:ext cx="0" cy="0"/>
+          <a:chOff x="0" y="0"/>
+          <a:chExt cx="0" cy="0"/>
+        </a:xfrm>
+      </p:grpSpPr>
+      <p:sp>
+        <p:nvSpPr>
+          <p:cNvPr id="125" name="Google Shape;125;g3575121a9be_0_1:notes">
+            <a:extLst>
+              <a:ext uri="{FF2B5EF4-FFF2-40B4-BE49-F238E27FC236}">
+                <a16:creationId xmlns:a16="http://schemas.microsoft.com/office/drawing/2014/main" id="{0B20E22D-A900-F2B9-C76C-309BF5F1DD81}"/>
+              </a:ext>
+            </a:extLst>
+          </p:cNvPr>
+          <p:cNvSpPr>
+            <a:spLocks noGrp="1" noRot="1" noChangeAspect="1"/>
+          </p:cNvSpPr>
+          <p:nvPr>
+            <p:ph type="sldImg" idx="2"/>
+          </p:nvPr>
+        </p:nvSpPr>
+        <p:spPr>
+          <a:xfrm>
+            <a:off x="381000" y="685800"/>
+            <a:ext cx="6096000" cy="3429000"/>
+          </a:xfrm>
+          <a:custGeom>
+            <a:avLst/>
+            <a:gdLst/>
+            <a:ahLst/>
+            <a:cxnLst/>
+            <a:rect l="l" t="t" r="r" b="b"/>
+            <a:pathLst>
+              <a:path w="120000" h="120000" extrusionOk="0">
+                <a:moveTo>
+                  <a:pt x="0" y="0"/>
+                </a:moveTo>
+                <a:lnTo>
+                  <a:pt x="120000" y="0"/>
+                </a:lnTo>
+                <a:lnTo>
+                  <a:pt x="120000" y="120000"/>
+                </a:lnTo>
+                <a:lnTo>
+                  <a:pt x="0" y="120000"/>
+                </a:lnTo>
+                <a:close/>
+              </a:path>
+            </a:pathLst>
+          </a:custGeom>
+        </p:spPr>
+      </p:sp>
+      <p:sp>
+        <p:nvSpPr>
+          <p:cNvPr id="126" name="Google Shape;126;g3575121a9be_0_1:notes">
+            <a:extLst>
+              <a:ext uri="{FF2B5EF4-FFF2-40B4-BE49-F238E27FC236}">
+                <a16:creationId xmlns:a16="http://schemas.microsoft.com/office/drawing/2014/main" id="{8FA1860A-8401-80EC-B8C6-6461FB817836}"/>
+              </a:ext>
+            </a:extLst>
+          </p:cNvPr>
+          <p:cNvSpPr txBox="1">
+            <a:spLocks noGrp="1"/>
+          </p:cNvSpPr>
+          <p:nvPr>
+            <p:ph type="body" idx="1"/>
+          </p:nvPr>
+        </p:nvSpPr>
+        <p:spPr>
+          <a:xfrm>
+            <a:off x="685800" y="4343400"/>
+            <a:ext cx="5486400" cy="4114800"/>
+          </a:xfrm>
+          <a:prstGeom prst="rect">
+            <a:avLst/>
+          </a:prstGeom>
+        </p:spPr>
+        <p:txBody>
+          <a:bodyPr spcFirstLastPara="1" wrap="square" lIns="91425" tIns="91425" rIns="91425" bIns="91425" anchor="t" anchorCtr="0">
+            <a:noAutofit/>
+          </a:bodyPr>
+          <a:lstStyle/>
+          <a:p>
+            <a:pPr marL="0" lvl="0" indent="0" algn="l" rtl="0">
+              <a:spcBef>
+                <a:spcPts val="0"/>
+              </a:spcBef>
+              <a:spcAft>
+                <a:spcPts val="0"/>
+              </a:spcAft>
+              <a:buNone/>
+            </a:pPr>
+            <a:endParaRPr/>
+          </a:p>
+        </p:txBody>
+      </p:sp>
+    </p:spTree>
+    <p:extLst>
+      <p:ext uri="{BB962C8B-B14F-4D97-AF65-F5344CB8AC3E}">
+        <p14:creationId xmlns:p14="http://schemas.microsoft.com/office/powerpoint/2010/main" val="3765613466"/>
+      </p:ext>
+    </p:extLst>
+  </p:cSld>
+  <p:clrMapOvr>
+    <a:masterClrMapping/>
+  </p:clrMapOvr>
+</p:notes>
+</file>
+
+<file path=ppt/notesSlides/notesSlide12.xml><?xml version="1.0" encoding="utf-8"?>
+<p:notes xmlns:a="http://schemas.openxmlformats.org/drawingml/2006/main" xmlns:r="http://schemas.openxmlformats.org/officeDocument/2006/relationships" xmlns:p="http://schemas.openxmlformats.org/presentationml/2006/main" showMasterSp="0" showMasterPhAnim="0">
+  <p:cSld>
+    <p:spTree>
+      <p:nvGrpSpPr>
+        <p:cNvPr id="1" name="Shape 124">
+          <a:extLst>
+            <a:ext uri="{FF2B5EF4-FFF2-40B4-BE49-F238E27FC236}">
+              <a16:creationId xmlns:a16="http://schemas.microsoft.com/office/drawing/2014/main" id="{E54C4433-D5E5-6BCB-B51E-A3330E66D684}"/>
+            </a:ext>
+          </a:extLst>
+        </p:cNvPr>
+        <p:cNvGrpSpPr/>
+        <p:nvPr/>
+      </p:nvGrpSpPr>
+      <p:grpSpPr>
+        <a:xfrm>
+          <a:off x="0" y="0"/>
+          <a:ext cx="0" cy="0"/>
+          <a:chOff x="0" y="0"/>
+          <a:chExt cx="0" cy="0"/>
+        </a:xfrm>
+      </p:grpSpPr>
+      <p:sp>
+        <p:nvSpPr>
+          <p:cNvPr id="125" name="Google Shape;125;g3575121a9be_0_1:notes">
+            <a:extLst>
+              <a:ext uri="{FF2B5EF4-FFF2-40B4-BE49-F238E27FC236}">
+                <a16:creationId xmlns:a16="http://schemas.microsoft.com/office/drawing/2014/main" id="{5E35F1BC-9EFE-B563-DF19-909C51510A6E}"/>
+              </a:ext>
+            </a:extLst>
+          </p:cNvPr>
+          <p:cNvSpPr>
+            <a:spLocks noGrp="1" noRot="1" noChangeAspect="1"/>
+          </p:cNvSpPr>
+          <p:nvPr>
+            <p:ph type="sldImg" idx="2"/>
+          </p:nvPr>
+        </p:nvSpPr>
+        <p:spPr>
+          <a:xfrm>
+            <a:off x="381000" y="685800"/>
+            <a:ext cx="6096000" cy="3429000"/>
+          </a:xfrm>
+          <a:custGeom>
+            <a:avLst/>
+            <a:gdLst/>
+            <a:ahLst/>
+            <a:cxnLst/>
+            <a:rect l="l" t="t" r="r" b="b"/>
+            <a:pathLst>
+              <a:path w="120000" h="120000" extrusionOk="0">
+                <a:moveTo>
+                  <a:pt x="0" y="0"/>
+                </a:moveTo>
+                <a:lnTo>
+                  <a:pt x="120000" y="0"/>
+                </a:lnTo>
+                <a:lnTo>
+                  <a:pt x="120000" y="120000"/>
+                </a:lnTo>
+                <a:lnTo>
+                  <a:pt x="0" y="120000"/>
+                </a:lnTo>
+                <a:close/>
+              </a:path>
+            </a:pathLst>
+          </a:custGeom>
+        </p:spPr>
+      </p:sp>
+      <p:sp>
+        <p:nvSpPr>
+          <p:cNvPr id="126" name="Google Shape;126;g3575121a9be_0_1:notes">
+            <a:extLst>
+              <a:ext uri="{FF2B5EF4-FFF2-40B4-BE49-F238E27FC236}">
+                <a16:creationId xmlns:a16="http://schemas.microsoft.com/office/drawing/2014/main" id="{EDC0999D-5181-DA7F-3E8B-FC9E22BF0DCB}"/>
+              </a:ext>
+            </a:extLst>
+          </p:cNvPr>
+          <p:cNvSpPr txBox="1">
+            <a:spLocks noGrp="1"/>
+          </p:cNvSpPr>
+          <p:nvPr>
+            <p:ph type="body" idx="1"/>
+          </p:nvPr>
+        </p:nvSpPr>
+        <p:spPr>
+          <a:xfrm>
+            <a:off x="685800" y="4343400"/>
+            <a:ext cx="5486400" cy="4114800"/>
+          </a:xfrm>
+          <a:prstGeom prst="rect">
+            <a:avLst/>
+          </a:prstGeom>
+        </p:spPr>
+        <p:txBody>
+          <a:bodyPr spcFirstLastPara="1" wrap="square" lIns="91425" tIns="91425" rIns="91425" bIns="91425" anchor="t" anchorCtr="0">
+            <a:noAutofit/>
+          </a:bodyPr>
+          <a:lstStyle/>
+          <a:p>
+            <a:pPr marL="0" lvl="0" indent="0" algn="l" rtl="0">
+              <a:spcBef>
+                <a:spcPts val="0"/>
+              </a:spcBef>
+              <a:spcAft>
+                <a:spcPts val="0"/>
+              </a:spcAft>
+              <a:buNone/>
+            </a:pPr>
+            <a:endParaRPr/>
+          </a:p>
+        </p:txBody>
+      </p:sp>
+    </p:spTree>
+    <p:extLst>
+      <p:ext uri="{BB962C8B-B14F-4D97-AF65-F5344CB8AC3E}">
+        <p14:creationId xmlns:p14="http://schemas.microsoft.com/office/powerpoint/2010/main" val="1532437622"/>
+      </p:ext>
+    </p:extLst>
+  </p:cSld>
+  <p:clrMapOvr>
+    <a:masterClrMapping/>
+  </p:clrMapOvr>
+</p:notes>
+</file>
+
+<file path=ppt/notesSlides/notesSlide13.xml><?xml version="1.0" encoding="utf-8"?>
+<p:notes xmlns:a="http://schemas.openxmlformats.org/drawingml/2006/main" xmlns:r="http://schemas.openxmlformats.org/officeDocument/2006/relationships" xmlns:p="http://schemas.openxmlformats.org/presentationml/2006/main" showMasterSp="0" showMasterPhAnim="0">
+  <p:cSld>
+    <p:spTree>
+      <p:nvGrpSpPr>
+        <p:cNvPr id="1" name="Shape 115"/>
+        <p:cNvGrpSpPr/>
+        <p:nvPr/>
+      </p:nvGrpSpPr>
+      <p:grpSpPr>
+        <a:xfrm>
+          <a:off x="0" y="0"/>
+          <a:ext cx="0" cy="0"/>
+          <a:chOff x="0" y="0"/>
+          <a:chExt cx="0" cy="0"/>
+        </a:xfrm>
+      </p:grpSpPr>
+      <p:sp>
+        <p:nvSpPr>
+          <p:cNvPr id="116" name="Google Shape;116;g18d9829d3aa_0_49:notes"/>
+          <p:cNvSpPr>
+            <a:spLocks noGrp="1" noRot="1" noChangeAspect="1"/>
+          </p:cNvSpPr>
+          <p:nvPr>
+            <p:ph type="sldImg" idx="2"/>
+          </p:nvPr>
+        </p:nvSpPr>
+        <p:spPr>
+          <a:xfrm>
+            <a:off x="381000" y="685800"/>
+            <a:ext cx="6096000" cy="3429000"/>
+          </a:xfrm>
+          <a:custGeom>
+            <a:avLst/>
+            <a:gdLst/>
+            <a:ahLst/>
+            <a:cxnLst/>
+            <a:rect l="l" t="t" r="r" b="b"/>
+            <a:pathLst>
+              <a:path w="120000" h="120000" extrusionOk="0">
+                <a:moveTo>
+                  <a:pt x="0" y="0"/>
+                </a:moveTo>
+                <a:lnTo>
+                  <a:pt x="120000" y="0"/>
+                </a:lnTo>
+                <a:lnTo>
+                  <a:pt x="120000" y="120000"/>
+                </a:lnTo>
+                <a:lnTo>
+                  <a:pt x="0" y="120000"/>
+                </a:lnTo>
+                <a:close/>
+              </a:path>
+            </a:pathLst>
+          </a:custGeom>
+        </p:spPr>
+      </p:sp>
+      <p:sp>
+        <p:nvSpPr>
+          <p:cNvPr id="117" name="Google Shape;117;g18d9829d3aa_0_49:notes"/>
+          <p:cNvSpPr txBox="1">
+            <a:spLocks noGrp="1"/>
+          </p:cNvSpPr>
+          <p:nvPr>
+            <p:ph type="body" idx="1"/>
+          </p:nvPr>
+        </p:nvSpPr>
+        <p:spPr>
+          <a:xfrm>
+            <a:off x="685800" y="4343400"/>
+            <a:ext cx="5486400" cy="4114800"/>
+          </a:xfrm>
+          <a:prstGeom prst="rect">
+            <a:avLst/>
+          </a:prstGeom>
+        </p:spPr>
+        <p:txBody>
+          <a:bodyPr spcFirstLastPara="1" wrap="square" lIns="91425" tIns="91425" rIns="91425" bIns="91425" anchor="t" anchorCtr="0">
+            <a:noAutofit/>
+          </a:bodyPr>
+          <a:lstStyle/>
+          <a:p>
+            <a:pPr marL="0" lvl="0" indent="0" algn="l" rtl="0">
+              <a:spcBef>
+                <a:spcPts val="0"/>
+              </a:spcBef>
+              <a:spcAft>
+                <a:spcPts val="0"/>
+              </a:spcAft>
+              <a:buNone/>
+            </a:pPr>
+            <a:endParaRPr/>
+          </a:p>
+        </p:txBody>
+      </p:sp>
+    </p:spTree>
+  </p:cSld>
+  <p:clrMapOvr>
+    <a:masterClrMapping/>
+  </p:clrMapOvr>
+</p:notes>
+</file>
+
+<file path=ppt/notesSlides/notesSlide14.xml><?xml version="1.0" encoding="utf-8"?>
+<p:notes xmlns:a="http://schemas.openxmlformats.org/drawingml/2006/main" xmlns:r="http://schemas.openxmlformats.org/officeDocument/2006/relationships" xmlns:p="http://schemas.openxmlformats.org/presentationml/2006/main" showMasterSp="0" showMasterPhAnim="0">
+  <p:cSld>
+    <p:spTree>
+      <p:nvGrpSpPr>
+        <p:cNvPr id="1" name="Shape 124">
+          <a:extLst>
+            <a:ext uri="{FF2B5EF4-FFF2-40B4-BE49-F238E27FC236}">
               <a16:creationId xmlns:a16="http://schemas.microsoft.com/office/drawing/2014/main" id="{97C6A6AF-A01B-5E3B-F81B-949E028DA209}"/>
             </a:ext>
           </a:extLst>
@@ -987,7 +1473,7 @@
 </p:notes>
 </file>
 
-<file path=ppt/notesSlides/notesSlide11.xml><?xml version="1.0" encoding="utf-8"?>
+<file path=ppt/notesSlides/notesSlide15.xml><?xml version="1.0" encoding="utf-8"?>
 <p:notes xmlns:a="http://schemas.openxmlformats.org/drawingml/2006/main" xmlns:r="http://schemas.openxmlformats.org/officeDocument/2006/relationships" xmlns:p="http://schemas.openxmlformats.org/presentationml/2006/main" showMasterSp="0" showMasterPhAnim="0">
   <p:cSld>
     <p:spTree>
@@ -1114,365 +1600,7 @@
 </p:notes>
 </file>
 
-<file path=ppt/notesSlides/notesSlide12.xml><?xml version="1.0" encoding="utf-8"?>
-<p:notes xmlns:a="http://schemas.openxmlformats.org/drawingml/2006/main" xmlns:r="http://schemas.openxmlformats.org/officeDocument/2006/relationships" xmlns:p="http://schemas.openxmlformats.org/presentationml/2006/main" showMasterSp="0" showMasterPhAnim="0">
-  <p:cSld>
-    <p:spTree>
-      <p:nvGrpSpPr>
-        <p:cNvPr id="1" name="Shape 124">
-          <a:extLst>
-            <a:ext uri="{FF2B5EF4-FFF2-40B4-BE49-F238E27FC236}">
-              <a16:creationId xmlns:a16="http://schemas.microsoft.com/office/drawing/2014/main" id="{66B2EE2A-2124-2E18-4598-603CBCEB2483}"/>
-            </a:ext>
-          </a:extLst>
-        </p:cNvPr>
-        <p:cNvGrpSpPr/>
-        <p:nvPr/>
-      </p:nvGrpSpPr>
-      <p:grpSpPr>
-        <a:xfrm>
-          <a:off x="0" y="0"/>
-          <a:ext cx="0" cy="0"/>
-          <a:chOff x="0" y="0"/>
-          <a:chExt cx="0" cy="0"/>
-        </a:xfrm>
-      </p:grpSpPr>
-      <p:sp>
-        <p:nvSpPr>
-          <p:cNvPr id="125" name="Google Shape;125;g3575121a9be_0_1:notes">
-            <a:extLst>
-              <a:ext uri="{FF2B5EF4-FFF2-40B4-BE49-F238E27FC236}">
-                <a16:creationId xmlns:a16="http://schemas.microsoft.com/office/drawing/2014/main" id="{0B20E22D-A900-F2B9-C76C-309BF5F1DD81}"/>
-              </a:ext>
-            </a:extLst>
-          </p:cNvPr>
-          <p:cNvSpPr>
-            <a:spLocks noGrp="1" noRot="1" noChangeAspect="1"/>
-          </p:cNvSpPr>
-          <p:nvPr>
-            <p:ph type="sldImg" idx="2"/>
-          </p:nvPr>
-        </p:nvSpPr>
-        <p:spPr>
-          <a:xfrm>
-            <a:off x="381000" y="685800"/>
-            <a:ext cx="6096000" cy="3429000"/>
-          </a:xfrm>
-          <a:custGeom>
-            <a:avLst/>
-            <a:gdLst/>
-            <a:ahLst/>
-            <a:cxnLst/>
-            <a:rect l="l" t="t" r="r" b="b"/>
-            <a:pathLst>
-              <a:path w="120000" h="120000" extrusionOk="0">
-                <a:moveTo>
-                  <a:pt x="0" y="0"/>
-                </a:moveTo>
-                <a:lnTo>
-                  <a:pt x="120000" y="0"/>
-                </a:lnTo>
-                <a:lnTo>
-                  <a:pt x="120000" y="120000"/>
-                </a:lnTo>
-                <a:lnTo>
-                  <a:pt x="0" y="120000"/>
-                </a:lnTo>
-                <a:close/>
-              </a:path>
-            </a:pathLst>
-          </a:custGeom>
-        </p:spPr>
-      </p:sp>
-      <p:sp>
-        <p:nvSpPr>
-          <p:cNvPr id="126" name="Google Shape;126;g3575121a9be_0_1:notes">
-            <a:extLst>
-              <a:ext uri="{FF2B5EF4-FFF2-40B4-BE49-F238E27FC236}">
-                <a16:creationId xmlns:a16="http://schemas.microsoft.com/office/drawing/2014/main" id="{8FA1860A-8401-80EC-B8C6-6461FB817836}"/>
-              </a:ext>
-            </a:extLst>
-          </p:cNvPr>
-          <p:cNvSpPr txBox="1">
-            <a:spLocks noGrp="1"/>
-          </p:cNvSpPr>
-          <p:nvPr>
-            <p:ph type="body" idx="1"/>
-          </p:nvPr>
-        </p:nvSpPr>
-        <p:spPr>
-          <a:xfrm>
-            <a:off x="685800" y="4343400"/>
-            <a:ext cx="5486400" cy="4114800"/>
-          </a:xfrm>
-          <a:prstGeom prst="rect">
-            <a:avLst/>
-          </a:prstGeom>
-        </p:spPr>
-        <p:txBody>
-          <a:bodyPr spcFirstLastPara="1" wrap="square" lIns="91425" tIns="91425" rIns="91425" bIns="91425" anchor="t" anchorCtr="0">
-            <a:noAutofit/>
-          </a:bodyPr>
-          <a:lstStyle/>
-          <a:p>
-            <a:pPr marL="0" lvl="0" indent="0" algn="l" rtl="0">
-              <a:spcBef>
-                <a:spcPts val="0"/>
-              </a:spcBef>
-              <a:spcAft>
-                <a:spcPts val="0"/>
-              </a:spcAft>
-              <a:buNone/>
-            </a:pPr>
-            <a:endParaRPr/>
-          </a:p>
-        </p:txBody>
-      </p:sp>
-    </p:spTree>
-    <p:extLst>
-      <p:ext uri="{BB962C8B-B14F-4D97-AF65-F5344CB8AC3E}">
-        <p14:creationId xmlns:p14="http://schemas.microsoft.com/office/powerpoint/2010/main" val="3765613466"/>
-      </p:ext>
-    </p:extLst>
-  </p:cSld>
-  <p:clrMapOvr>
-    <a:masterClrMapping/>
-  </p:clrMapOvr>
-</p:notes>
-</file>
-
-<file path=ppt/notesSlides/notesSlide13.xml><?xml version="1.0" encoding="utf-8"?>
-<p:notes xmlns:a="http://schemas.openxmlformats.org/drawingml/2006/main" xmlns:r="http://schemas.openxmlformats.org/officeDocument/2006/relationships" xmlns:p="http://schemas.openxmlformats.org/presentationml/2006/main" showMasterSp="0" showMasterPhAnim="0">
-  <p:cSld>
-    <p:spTree>
-      <p:nvGrpSpPr>
-        <p:cNvPr id="1" name="Shape 124">
-          <a:extLst>
-            <a:ext uri="{FF2B5EF4-FFF2-40B4-BE49-F238E27FC236}">
-              <a16:creationId xmlns:a16="http://schemas.microsoft.com/office/drawing/2014/main" id="{E54C4433-D5E5-6BCB-B51E-A3330E66D684}"/>
-            </a:ext>
-          </a:extLst>
-        </p:cNvPr>
-        <p:cNvGrpSpPr/>
-        <p:nvPr/>
-      </p:nvGrpSpPr>
-      <p:grpSpPr>
-        <a:xfrm>
-          <a:off x="0" y="0"/>
-          <a:ext cx="0" cy="0"/>
-          <a:chOff x="0" y="0"/>
-          <a:chExt cx="0" cy="0"/>
-        </a:xfrm>
-      </p:grpSpPr>
-      <p:sp>
-        <p:nvSpPr>
-          <p:cNvPr id="125" name="Google Shape;125;g3575121a9be_0_1:notes">
-            <a:extLst>
-              <a:ext uri="{FF2B5EF4-FFF2-40B4-BE49-F238E27FC236}">
-                <a16:creationId xmlns:a16="http://schemas.microsoft.com/office/drawing/2014/main" id="{5E35F1BC-9EFE-B563-DF19-909C51510A6E}"/>
-              </a:ext>
-            </a:extLst>
-          </p:cNvPr>
-          <p:cNvSpPr>
-            <a:spLocks noGrp="1" noRot="1" noChangeAspect="1"/>
-          </p:cNvSpPr>
-          <p:nvPr>
-            <p:ph type="sldImg" idx="2"/>
-          </p:nvPr>
-        </p:nvSpPr>
-        <p:spPr>
-          <a:xfrm>
-            <a:off x="381000" y="685800"/>
-            <a:ext cx="6096000" cy="3429000"/>
-          </a:xfrm>
-          <a:custGeom>
-            <a:avLst/>
-            <a:gdLst/>
-            <a:ahLst/>
-            <a:cxnLst/>
-            <a:rect l="l" t="t" r="r" b="b"/>
-            <a:pathLst>
-              <a:path w="120000" h="120000" extrusionOk="0">
-                <a:moveTo>
-                  <a:pt x="0" y="0"/>
-                </a:moveTo>
-                <a:lnTo>
-                  <a:pt x="120000" y="0"/>
-                </a:lnTo>
-                <a:lnTo>
-                  <a:pt x="120000" y="120000"/>
-                </a:lnTo>
-                <a:lnTo>
-                  <a:pt x="0" y="120000"/>
-                </a:lnTo>
-                <a:close/>
-              </a:path>
-            </a:pathLst>
-          </a:custGeom>
-        </p:spPr>
-      </p:sp>
-      <p:sp>
-        <p:nvSpPr>
-          <p:cNvPr id="126" name="Google Shape;126;g3575121a9be_0_1:notes">
-            <a:extLst>
-              <a:ext uri="{FF2B5EF4-FFF2-40B4-BE49-F238E27FC236}">
-                <a16:creationId xmlns:a16="http://schemas.microsoft.com/office/drawing/2014/main" id="{EDC0999D-5181-DA7F-3E8B-FC9E22BF0DCB}"/>
-              </a:ext>
-            </a:extLst>
-          </p:cNvPr>
-          <p:cNvSpPr txBox="1">
-            <a:spLocks noGrp="1"/>
-          </p:cNvSpPr>
-          <p:nvPr>
-            <p:ph type="body" idx="1"/>
-          </p:nvPr>
-        </p:nvSpPr>
-        <p:spPr>
-          <a:xfrm>
-            <a:off x="685800" y="4343400"/>
-            <a:ext cx="5486400" cy="4114800"/>
-          </a:xfrm>
-          <a:prstGeom prst="rect">
-            <a:avLst/>
-          </a:prstGeom>
-        </p:spPr>
-        <p:txBody>
-          <a:bodyPr spcFirstLastPara="1" wrap="square" lIns="91425" tIns="91425" rIns="91425" bIns="91425" anchor="t" anchorCtr="0">
-            <a:noAutofit/>
-          </a:bodyPr>
-          <a:lstStyle/>
-          <a:p>
-            <a:pPr marL="0" lvl="0" indent="0" algn="l" rtl="0">
-              <a:spcBef>
-                <a:spcPts val="0"/>
-              </a:spcBef>
-              <a:spcAft>
-                <a:spcPts val="0"/>
-              </a:spcAft>
-              <a:buNone/>
-            </a:pPr>
-            <a:endParaRPr/>
-          </a:p>
-        </p:txBody>
-      </p:sp>
-    </p:spTree>
-    <p:extLst>
-      <p:ext uri="{BB962C8B-B14F-4D97-AF65-F5344CB8AC3E}">
-        <p14:creationId xmlns:p14="http://schemas.microsoft.com/office/powerpoint/2010/main" val="1532437622"/>
-      </p:ext>
-    </p:extLst>
-  </p:cSld>
-  <p:clrMapOvr>
-    <a:masterClrMapping/>
-  </p:clrMapOvr>
-</p:notes>
-</file>
-
-<file path=ppt/notesSlides/notesSlide14.xml><?xml version="1.0" encoding="utf-8"?>
-<p:notes xmlns:a="http://schemas.openxmlformats.org/drawingml/2006/main" xmlns:r="http://schemas.openxmlformats.org/officeDocument/2006/relationships" xmlns:p="http://schemas.openxmlformats.org/presentationml/2006/main" showMasterSp="0" showMasterPhAnim="0">
-  <p:cSld>
-    <p:spTree>
-      <p:nvGrpSpPr>
-        <p:cNvPr id="1" name="Shape 115"/>
-        <p:cNvGrpSpPr/>
-        <p:nvPr/>
-      </p:nvGrpSpPr>
-      <p:grpSpPr>
-        <a:xfrm>
-          <a:off x="0" y="0"/>
-          <a:ext cx="0" cy="0"/>
-          <a:chOff x="0" y="0"/>
-          <a:chExt cx="0" cy="0"/>
-        </a:xfrm>
-      </p:grpSpPr>
-      <p:sp>
-        <p:nvSpPr>
-          <p:cNvPr id="116" name="Google Shape;116;g18d9829d3aa_0_49:notes"/>
-          <p:cNvSpPr>
-            <a:spLocks noGrp="1" noRot="1" noChangeAspect="1"/>
-          </p:cNvSpPr>
-          <p:nvPr>
-            <p:ph type="sldImg" idx="2"/>
-          </p:nvPr>
-        </p:nvSpPr>
-        <p:spPr>
-          <a:xfrm>
-            <a:off x="381000" y="685800"/>
-            <a:ext cx="6096000" cy="3429000"/>
-          </a:xfrm>
-          <a:custGeom>
-            <a:avLst/>
-            <a:gdLst/>
-            <a:ahLst/>
-            <a:cxnLst/>
-            <a:rect l="l" t="t" r="r" b="b"/>
-            <a:pathLst>
-              <a:path w="120000" h="120000" extrusionOk="0">
-                <a:moveTo>
-                  <a:pt x="0" y="0"/>
-                </a:moveTo>
-                <a:lnTo>
-                  <a:pt x="120000" y="0"/>
-                </a:lnTo>
-                <a:lnTo>
-                  <a:pt x="120000" y="120000"/>
-                </a:lnTo>
-                <a:lnTo>
-                  <a:pt x="0" y="120000"/>
-                </a:lnTo>
-                <a:close/>
-              </a:path>
-            </a:pathLst>
-          </a:custGeom>
-        </p:spPr>
-      </p:sp>
-      <p:sp>
-        <p:nvSpPr>
-          <p:cNvPr id="117" name="Google Shape;117;g18d9829d3aa_0_49:notes"/>
-          <p:cNvSpPr txBox="1">
-            <a:spLocks noGrp="1"/>
-          </p:cNvSpPr>
-          <p:nvPr>
-            <p:ph type="body" idx="1"/>
-          </p:nvPr>
-        </p:nvSpPr>
-        <p:spPr>
-          <a:xfrm>
-            <a:off x="685800" y="4343400"/>
-            <a:ext cx="5486400" cy="4114800"/>
-          </a:xfrm>
-          <a:prstGeom prst="rect">
-            <a:avLst/>
-          </a:prstGeom>
-        </p:spPr>
-        <p:txBody>
-          <a:bodyPr spcFirstLastPara="1" wrap="square" lIns="91425" tIns="91425" rIns="91425" bIns="91425" anchor="t" anchorCtr="0">
-            <a:noAutofit/>
-          </a:bodyPr>
-          <a:lstStyle/>
-          <a:p>
-            <a:pPr marL="0" lvl="0" indent="0" algn="l" rtl="0">
-              <a:spcBef>
-                <a:spcPts val="0"/>
-              </a:spcBef>
-              <a:spcAft>
-                <a:spcPts val="0"/>
-              </a:spcAft>
-              <a:buNone/>
-            </a:pPr>
-            <a:endParaRPr/>
-          </a:p>
-        </p:txBody>
-      </p:sp>
-    </p:spTree>
-  </p:cSld>
-  <p:clrMapOvr>
-    <a:masterClrMapping/>
-  </p:clrMapOvr>
-</p:notes>
-</file>
-
-<file path=ppt/notesSlides/notesSlide15.xml><?xml version="1.0" encoding="utf-8"?>
+<file path=ppt/notesSlides/notesSlide16.xml><?xml version="1.0" encoding="utf-8"?>
 <p:notes xmlns:a="http://schemas.openxmlformats.org/drawingml/2006/main" xmlns:r="http://schemas.openxmlformats.org/officeDocument/2006/relationships" xmlns:p="http://schemas.openxmlformats.org/presentationml/2006/main" showMasterSp="0" showMasterPhAnim="0">
   <p:cSld>
     <p:spTree>
@@ -2150,6 +2278,133 @@
         <p:cNvPr id="1" name="Shape 124">
           <a:extLst>
             <a:ext uri="{FF2B5EF4-FFF2-40B4-BE49-F238E27FC236}">
+              <a16:creationId xmlns:a16="http://schemas.microsoft.com/office/drawing/2014/main" id="{2C6FDCEB-FC6F-A34B-6210-DA3CD00D5C06}"/>
+            </a:ext>
+          </a:extLst>
+        </p:cNvPr>
+        <p:cNvGrpSpPr/>
+        <p:nvPr/>
+      </p:nvGrpSpPr>
+      <p:grpSpPr>
+        <a:xfrm>
+          <a:off x="0" y="0"/>
+          <a:ext cx="0" cy="0"/>
+          <a:chOff x="0" y="0"/>
+          <a:chExt cx="0" cy="0"/>
+        </a:xfrm>
+      </p:grpSpPr>
+      <p:sp>
+        <p:nvSpPr>
+          <p:cNvPr id="125" name="Google Shape;125;g3575121a9be_0_1:notes">
+            <a:extLst>
+              <a:ext uri="{FF2B5EF4-FFF2-40B4-BE49-F238E27FC236}">
+                <a16:creationId xmlns:a16="http://schemas.microsoft.com/office/drawing/2014/main" id="{AE077C32-1645-F2DB-8A11-ADFD7D4FD82C}"/>
+              </a:ext>
+            </a:extLst>
+          </p:cNvPr>
+          <p:cNvSpPr>
+            <a:spLocks noGrp="1" noRot="1" noChangeAspect="1"/>
+          </p:cNvSpPr>
+          <p:nvPr>
+            <p:ph type="sldImg" idx="2"/>
+          </p:nvPr>
+        </p:nvSpPr>
+        <p:spPr>
+          <a:xfrm>
+            <a:off x="381000" y="685800"/>
+            <a:ext cx="6096000" cy="3429000"/>
+          </a:xfrm>
+          <a:custGeom>
+            <a:avLst/>
+            <a:gdLst/>
+            <a:ahLst/>
+            <a:cxnLst/>
+            <a:rect l="l" t="t" r="r" b="b"/>
+            <a:pathLst>
+              <a:path w="120000" h="120000" extrusionOk="0">
+                <a:moveTo>
+                  <a:pt x="0" y="0"/>
+                </a:moveTo>
+                <a:lnTo>
+                  <a:pt x="120000" y="0"/>
+                </a:lnTo>
+                <a:lnTo>
+                  <a:pt x="120000" y="120000"/>
+                </a:lnTo>
+                <a:lnTo>
+                  <a:pt x="0" y="120000"/>
+                </a:lnTo>
+                <a:close/>
+              </a:path>
+            </a:pathLst>
+          </a:custGeom>
+        </p:spPr>
+      </p:sp>
+      <p:sp>
+        <p:nvSpPr>
+          <p:cNvPr id="126" name="Google Shape;126;g3575121a9be_0_1:notes">
+            <a:extLst>
+              <a:ext uri="{FF2B5EF4-FFF2-40B4-BE49-F238E27FC236}">
+                <a16:creationId xmlns:a16="http://schemas.microsoft.com/office/drawing/2014/main" id="{07571799-A6BC-0095-E9D6-4916D178A7DB}"/>
+              </a:ext>
+            </a:extLst>
+          </p:cNvPr>
+          <p:cNvSpPr txBox="1">
+            <a:spLocks noGrp="1"/>
+          </p:cNvSpPr>
+          <p:nvPr>
+            <p:ph type="body" idx="1"/>
+          </p:nvPr>
+        </p:nvSpPr>
+        <p:spPr>
+          <a:xfrm>
+            <a:off x="685800" y="4343400"/>
+            <a:ext cx="5486400" cy="4114800"/>
+          </a:xfrm>
+          <a:prstGeom prst="rect">
+            <a:avLst/>
+          </a:prstGeom>
+        </p:spPr>
+        <p:txBody>
+          <a:bodyPr spcFirstLastPara="1" wrap="square" lIns="91425" tIns="91425" rIns="91425" bIns="91425" anchor="t" anchorCtr="0">
+            <a:noAutofit/>
+          </a:bodyPr>
+          <a:lstStyle/>
+          <a:p>
+            <a:pPr marL="0" lvl="0" indent="0" algn="l" rtl="0">
+              <a:spcBef>
+                <a:spcPts val="0"/>
+              </a:spcBef>
+              <a:spcAft>
+                <a:spcPts val="0"/>
+              </a:spcAft>
+              <a:buNone/>
+            </a:pPr>
+            <a:endParaRPr/>
+          </a:p>
+        </p:txBody>
+      </p:sp>
+    </p:spTree>
+    <p:extLst>
+      <p:ext uri="{BB962C8B-B14F-4D97-AF65-F5344CB8AC3E}">
+        <p14:creationId xmlns:p14="http://schemas.microsoft.com/office/powerpoint/2010/main" val="240431576"/>
+      </p:ext>
+    </p:extLst>
+  </p:cSld>
+  <p:clrMapOvr>
+    <a:masterClrMapping/>
+  </p:clrMapOvr>
+</p:notes>
+</file>
+
+<file path=ppt/notesSlides/notesSlide8.xml><?xml version="1.0" encoding="utf-8"?>
+<p:notes xmlns:a="http://schemas.openxmlformats.org/drawingml/2006/main" xmlns:r="http://schemas.openxmlformats.org/officeDocument/2006/relationships" xmlns:p="http://schemas.openxmlformats.org/presentationml/2006/main" showMasterSp="0" showMasterPhAnim="0">
+  <p:cSld>
+    <p:spTree>
+      <p:nvGrpSpPr>
+        <p:cNvPr id="1" name="Shape 124">
+          <a:extLst>
+            <a:ext uri="{FF2B5EF4-FFF2-40B4-BE49-F238E27FC236}">
               <a16:creationId xmlns:a16="http://schemas.microsoft.com/office/drawing/2014/main" id="{A446B246-DDC7-1232-A493-5B351CB4BB0A}"/>
             </a:ext>
           </a:extLst>
@@ -2260,133 +2515,6 @@
     <p:extLst>
       <p:ext uri="{BB962C8B-B14F-4D97-AF65-F5344CB8AC3E}">
         <p14:creationId xmlns:p14="http://schemas.microsoft.com/office/powerpoint/2010/main" val="1842267641"/>
-      </p:ext>
-    </p:extLst>
-  </p:cSld>
-  <p:clrMapOvr>
-    <a:masterClrMapping/>
-  </p:clrMapOvr>
-</p:notes>
-</file>
-
-<file path=ppt/notesSlides/notesSlide8.xml><?xml version="1.0" encoding="utf-8"?>
-<p:notes xmlns:a="http://schemas.openxmlformats.org/drawingml/2006/main" xmlns:r="http://schemas.openxmlformats.org/officeDocument/2006/relationships" xmlns:p="http://schemas.openxmlformats.org/presentationml/2006/main" showMasterSp="0" showMasterPhAnim="0">
-  <p:cSld>
-    <p:spTree>
-      <p:nvGrpSpPr>
-        <p:cNvPr id="1" name="Shape 124">
-          <a:extLst>
-            <a:ext uri="{FF2B5EF4-FFF2-40B4-BE49-F238E27FC236}">
-              <a16:creationId xmlns:a16="http://schemas.microsoft.com/office/drawing/2014/main" id="{2C6FDCEB-FC6F-A34B-6210-DA3CD00D5C06}"/>
-            </a:ext>
-          </a:extLst>
-        </p:cNvPr>
-        <p:cNvGrpSpPr/>
-        <p:nvPr/>
-      </p:nvGrpSpPr>
-      <p:grpSpPr>
-        <a:xfrm>
-          <a:off x="0" y="0"/>
-          <a:ext cx="0" cy="0"/>
-          <a:chOff x="0" y="0"/>
-          <a:chExt cx="0" cy="0"/>
-        </a:xfrm>
-      </p:grpSpPr>
-      <p:sp>
-        <p:nvSpPr>
-          <p:cNvPr id="125" name="Google Shape;125;g3575121a9be_0_1:notes">
-            <a:extLst>
-              <a:ext uri="{FF2B5EF4-FFF2-40B4-BE49-F238E27FC236}">
-                <a16:creationId xmlns:a16="http://schemas.microsoft.com/office/drawing/2014/main" id="{AE077C32-1645-F2DB-8A11-ADFD7D4FD82C}"/>
-              </a:ext>
-            </a:extLst>
-          </p:cNvPr>
-          <p:cNvSpPr>
-            <a:spLocks noGrp="1" noRot="1" noChangeAspect="1"/>
-          </p:cNvSpPr>
-          <p:nvPr>
-            <p:ph type="sldImg" idx="2"/>
-          </p:nvPr>
-        </p:nvSpPr>
-        <p:spPr>
-          <a:xfrm>
-            <a:off x="381000" y="685800"/>
-            <a:ext cx="6096000" cy="3429000"/>
-          </a:xfrm>
-          <a:custGeom>
-            <a:avLst/>
-            <a:gdLst/>
-            <a:ahLst/>
-            <a:cxnLst/>
-            <a:rect l="l" t="t" r="r" b="b"/>
-            <a:pathLst>
-              <a:path w="120000" h="120000" extrusionOk="0">
-                <a:moveTo>
-                  <a:pt x="0" y="0"/>
-                </a:moveTo>
-                <a:lnTo>
-                  <a:pt x="120000" y="0"/>
-                </a:lnTo>
-                <a:lnTo>
-                  <a:pt x="120000" y="120000"/>
-                </a:lnTo>
-                <a:lnTo>
-                  <a:pt x="0" y="120000"/>
-                </a:lnTo>
-                <a:close/>
-              </a:path>
-            </a:pathLst>
-          </a:custGeom>
-        </p:spPr>
-      </p:sp>
-      <p:sp>
-        <p:nvSpPr>
-          <p:cNvPr id="126" name="Google Shape;126;g3575121a9be_0_1:notes">
-            <a:extLst>
-              <a:ext uri="{FF2B5EF4-FFF2-40B4-BE49-F238E27FC236}">
-                <a16:creationId xmlns:a16="http://schemas.microsoft.com/office/drawing/2014/main" id="{07571799-A6BC-0095-E9D6-4916D178A7DB}"/>
-              </a:ext>
-            </a:extLst>
-          </p:cNvPr>
-          <p:cNvSpPr txBox="1">
-            <a:spLocks noGrp="1"/>
-          </p:cNvSpPr>
-          <p:nvPr>
-            <p:ph type="body" idx="1"/>
-          </p:nvPr>
-        </p:nvSpPr>
-        <p:spPr>
-          <a:xfrm>
-            <a:off x="685800" y="4343400"/>
-            <a:ext cx="5486400" cy="4114800"/>
-          </a:xfrm>
-          <a:prstGeom prst="rect">
-            <a:avLst/>
-          </a:prstGeom>
-        </p:spPr>
-        <p:txBody>
-          <a:bodyPr spcFirstLastPara="1" wrap="square" lIns="91425" tIns="91425" rIns="91425" bIns="91425" anchor="t" anchorCtr="0">
-            <a:noAutofit/>
-          </a:bodyPr>
-          <a:lstStyle/>
-          <a:p>
-            <a:pPr marL="0" lvl="0" indent="0" algn="l" rtl="0">
-              <a:spcBef>
-                <a:spcPts val="0"/>
-              </a:spcBef>
-              <a:spcAft>
-                <a:spcPts val="0"/>
-              </a:spcAft>
-              <a:buNone/>
-            </a:pPr>
-            <a:endParaRPr/>
-          </a:p>
-        </p:txBody>
-      </p:sp>
-    </p:spTree>
-    <p:extLst>
-      <p:ext uri="{BB962C8B-B14F-4D97-AF65-F5344CB8AC3E}">
-        <p14:creationId xmlns:p14="http://schemas.microsoft.com/office/powerpoint/2010/main" val="240431576"/>
       </p:ext>
     </p:extLst>
   </p:cSld>
@@ -10530,6 +10658,1314 @@
         <p:cNvPr id="1" name="Shape 127">
           <a:extLst>
             <a:ext uri="{FF2B5EF4-FFF2-40B4-BE49-F238E27FC236}">
+              <a16:creationId xmlns:a16="http://schemas.microsoft.com/office/drawing/2014/main" id="{DDBFA3DA-798F-1FB8-B8D9-01B1F3B13B69}"/>
+            </a:ext>
+          </a:extLst>
+        </p:cNvPr>
+        <p:cNvGrpSpPr/>
+        <p:nvPr/>
+      </p:nvGrpSpPr>
+      <p:grpSpPr>
+        <a:xfrm>
+          <a:off x="0" y="0"/>
+          <a:ext cx="0" cy="0"/>
+          <a:chOff x="0" y="0"/>
+          <a:chExt cx="0" cy="0"/>
+        </a:xfrm>
+      </p:grpSpPr>
+      <p:sp>
+        <p:nvSpPr>
+          <p:cNvPr id="128" name="Google Shape;128;p31">
+            <a:extLst>
+              <a:ext uri="{FF2B5EF4-FFF2-40B4-BE49-F238E27FC236}">
+                <a16:creationId xmlns:a16="http://schemas.microsoft.com/office/drawing/2014/main" id="{65209672-7197-9AAA-4D16-02CEB0E6FC47}"/>
+              </a:ext>
+            </a:extLst>
+          </p:cNvPr>
+          <p:cNvSpPr txBox="1">
+            <a:spLocks noGrp="1"/>
+          </p:cNvSpPr>
+          <p:nvPr>
+            <p:ph type="title"/>
+          </p:nvPr>
+        </p:nvSpPr>
+        <p:spPr>
+          <a:xfrm>
+            <a:off x="1290150" y="1454970"/>
+            <a:ext cx="6563700" cy="572700"/>
+          </a:xfrm>
+          <a:prstGeom prst="rect">
+            <a:avLst/>
+          </a:prstGeom>
+        </p:spPr>
+        <p:txBody>
+          <a:bodyPr spcFirstLastPara="1" wrap="square" lIns="0" tIns="0" rIns="0" bIns="0" anchor="t" anchorCtr="0">
+            <a:noAutofit/>
+          </a:bodyPr>
+          <a:lstStyle/>
+          <a:p>
+            <a:pPr lvl="0" algn="ctr"/>
+            <a:r>
+              <a:rPr lang="en-US" dirty="0" err="1"/>
+              <a:t>Stringhe</a:t>
+            </a:r>
+            <a:r>
+              <a:rPr lang="en-US" dirty="0"/>
+              <a:t> di </a:t>
+            </a:r>
+            <a:r>
+              <a:rPr lang="en-US" dirty="0" err="1"/>
+              <a:t>ricerca</a:t>
+            </a:r>
+            <a:r>
+              <a:rPr lang="en-US" dirty="0"/>
+              <a:t> </a:t>
+            </a:r>
+            <a:r>
+              <a:rPr lang="en-US" dirty="0" err="1"/>
+              <a:t>interessanti</a:t>
+            </a:r>
+            <a:endParaRPr dirty="0"/>
+          </a:p>
+        </p:txBody>
+      </p:sp>
+      <p:pic>
+        <p:nvPicPr>
+          <p:cNvPr id="129" name="Google Shape;129;p31">
+            <a:extLst>
+              <a:ext uri="{FF2B5EF4-FFF2-40B4-BE49-F238E27FC236}">
+                <a16:creationId xmlns:a16="http://schemas.microsoft.com/office/drawing/2014/main" id="{6EEC1706-6143-67D6-A693-C6B1B4B2898F}"/>
+              </a:ext>
+            </a:extLst>
+          </p:cNvPr>
+          <p:cNvPicPr preferRelativeResize="0"/>
+          <p:nvPr/>
+        </p:nvPicPr>
+        <p:blipFill>
+          <a:blip r:embed="rId3">
+            <a:alphaModFix/>
+          </a:blip>
+          <a:stretch>
+            <a:fillRect/>
+          </a:stretch>
+        </p:blipFill>
+        <p:spPr>
+          <a:xfrm>
+            <a:off x="4116500" y="448013"/>
+            <a:ext cx="911000" cy="911000"/>
+          </a:xfrm>
+          <a:prstGeom prst="rect">
+            <a:avLst/>
+          </a:prstGeom>
+          <a:noFill/>
+          <a:ln>
+            <a:noFill/>
+          </a:ln>
+        </p:spPr>
+      </p:pic>
+      <p:sp>
+        <p:nvSpPr>
+          <p:cNvPr id="130" name="Google Shape;130;p31">
+            <a:extLst>
+              <a:ext uri="{FF2B5EF4-FFF2-40B4-BE49-F238E27FC236}">
+                <a16:creationId xmlns:a16="http://schemas.microsoft.com/office/drawing/2014/main" id="{424CC5F0-533F-387D-9F58-766257A194EF}"/>
+              </a:ext>
+            </a:extLst>
+          </p:cNvPr>
+          <p:cNvSpPr txBox="1">
+            <a:spLocks noGrp="1"/>
+          </p:cNvSpPr>
+          <p:nvPr>
+            <p:ph type="title" idx="2"/>
+          </p:nvPr>
+        </p:nvSpPr>
+        <p:spPr>
+          <a:xfrm>
+            <a:off x="1128450" y="2195169"/>
+            <a:ext cx="6887100" cy="2292051"/>
+          </a:xfrm>
+          <a:prstGeom prst="rect">
+            <a:avLst/>
+          </a:prstGeom>
+        </p:spPr>
+        <p:txBody>
+          <a:bodyPr spcFirstLastPara="1" wrap="square" lIns="0" tIns="0" rIns="0" bIns="0" anchor="t" anchorCtr="0">
+            <a:noAutofit/>
+          </a:bodyPr>
+          <a:lstStyle/>
+          <a:p>
+            <a:pPr marL="127000" lvl="0">
+              <a:lnSpc>
+                <a:spcPct val="115000"/>
+              </a:lnSpc>
+              <a:buClr>
+                <a:srgbClr val="D93232"/>
+              </a:buClr>
+              <a:buSzPts val="1600"/>
+            </a:pPr>
+            <a:r>
+              <a:rPr lang="en-US" sz="1400" dirty="0">
+                <a:latin typeface="Comic Mono" pitchFamily="1" charset="0"/>
+              </a:rPr>
+              <a:t>SELECT</a:t>
+            </a:r>
+            <a:br>
+              <a:rPr lang="en-US" sz="1400" dirty="0">
+                <a:latin typeface="Comic Mono" pitchFamily="1" charset="0"/>
+              </a:rPr>
+            </a:br>
+            <a:r>
+              <a:rPr lang="en-US" sz="1400" dirty="0">
+                <a:latin typeface="Comic Mono" pitchFamily="1" charset="0"/>
+              </a:rPr>
+              <a:t>	Id, Title, StartDate, </a:t>
+            </a:r>
+            <a:r>
+              <a:rPr lang="en-US" sz="1400" dirty="0" err="1">
+                <a:latin typeface="Comic Mono" pitchFamily="1" charset="0"/>
+              </a:rPr>
+              <a:t>EndDate</a:t>
+            </a:r>
+            <a:r>
+              <a:rPr lang="en-US" sz="1400" dirty="0">
+                <a:latin typeface="Comic Mono" pitchFamily="1" charset="0"/>
+              </a:rPr>
+              <a:t>, Result, </a:t>
+            </a:r>
+            <a:r>
+              <a:rPr lang="en-US" sz="1400" dirty="0" err="1">
+                <a:latin typeface="Comic Mono" pitchFamily="1" charset="0"/>
+              </a:rPr>
+              <a:t>UserId</a:t>
+            </a:r>
+            <a:br>
+              <a:rPr lang="en-US" sz="1400" dirty="0">
+                <a:latin typeface="Comic Mono" pitchFamily="1" charset="0"/>
+              </a:rPr>
+            </a:br>
+            <a:r>
+              <a:rPr lang="en-US" sz="1400" dirty="0">
+                <a:latin typeface="Comic Mono" pitchFamily="1" charset="0"/>
+              </a:rPr>
+              <a:t>FROM </a:t>
+            </a:r>
+            <a:r>
+              <a:rPr lang="en-US" sz="1400" dirty="0" err="1">
+                <a:latin typeface="Comic Mono" pitchFamily="1" charset="0"/>
+              </a:rPr>
+              <a:t>dbo.Courses</a:t>
+            </a:r>
+            <a:br>
+              <a:rPr lang="en-US" sz="1400" dirty="0">
+                <a:latin typeface="Comic Mono" pitchFamily="1" charset="0"/>
+              </a:rPr>
+            </a:br>
+            <a:r>
+              <a:rPr lang="en-US" sz="1400" dirty="0">
+                <a:latin typeface="Comic Mono" pitchFamily="1" charset="0"/>
+              </a:rPr>
+              <a:t>WHERE </a:t>
+            </a:r>
+            <a:r>
+              <a:rPr lang="en-US" sz="1400" dirty="0" err="1">
+                <a:latin typeface="Comic Mono" pitchFamily="1" charset="0"/>
+              </a:rPr>
+              <a:t>UserId</a:t>
+            </a:r>
+            <a:r>
+              <a:rPr lang="en-US" sz="1400" dirty="0">
+                <a:latin typeface="Comic Mono" pitchFamily="1" charset="0"/>
+              </a:rPr>
+              <a:t> = </a:t>
+            </a:r>
+            <a:r>
+              <a:rPr lang="en-US" sz="1400" dirty="0">
+                <a:solidFill>
+                  <a:schemeClr val="accent1"/>
+                </a:solidFill>
+                <a:latin typeface="Comic Mono" pitchFamily="1" charset="0"/>
+              </a:rPr>
+              <a:t>{</a:t>
+            </a:r>
+            <a:r>
+              <a:rPr lang="en-US" sz="1400" dirty="0" err="1">
+                <a:solidFill>
+                  <a:schemeClr val="accent5">
+                    <a:lumMod val="60000"/>
+                    <a:lumOff val="40000"/>
+                  </a:schemeClr>
+                </a:solidFill>
+                <a:latin typeface="Comic Mono" pitchFamily="1" charset="0"/>
+              </a:rPr>
+              <a:t>userId</a:t>
+            </a:r>
+            <a:r>
+              <a:rPr lang="en-US" sz="1400" dirty="0">
+                <a:solidFill>
+                  <a:schemeClr val="accent1"/>
+                </a:solidFill>
+                <a:latin typeface="Comic Mono" pitchFamily="1" charset="0"/>
+              </a:rPr>
+              <a:t>}</a:t>
+            </a:r>
+            <a:br>
+              <a:rPr lang="en-US" sz="1400" dirty="0">
+                <a:latin typeface="Comic Mono" pitchFamily="1" charset="0"/>
+              </a:rPr>
+            </a:br>
+            <a:r>
+              <a:rPr lang="en-US" sz="1400" dirty="0">
+                <a:latin typeface="Comic Mono" pitchFamily="1" charset="0"/>
+              </a:rPr>
+              <a:t>	AND Title LIKE '%</a:t>
+            </a:r>
+            <a:r>
+              <a:rPr lang="en-US" sz="1400" dirty="0">
+                <a:solidFill>
+                  <a:srgbClr val="FF0000"/>
+                </a:solidFill>
+                <a:latin typeface="Comic Mono" pitchFamily="1" charset="0"/>
+              </a:rPr>
+              <a:t>'; INSERT INTO </a:t>
+            </a:r>
+            <a:r>
+              <a:rPr lang="en-US" sz="1400" dirty="0" err="1">
+                <a:solidFill>
+                  <a:srgbClr val="FF0000"/>
+                </a:solidFill>
+                <a:latin typeface="Comic Mono" pitchFamily="1" charset="0"/>
+              </a:rPr>
+              <a:t>dbo.Courses</a:t>
+            </a:r>
+            <a:r>
+              <a:rPr lang="en-US" sz="1400" dirty="0">
+                <a:solidFill>
+                  <a:srgbClr val="FF0000"/>
+                </a:solidFill>
+                <a:latin typeface="Comic Mono" pitchFamily="1" charset="0"/>
+              </a:rPr>
+              <a:t> (Title, StartDate, </a:t>
+            </a:r>
+            <a:r>
+              <a:rPr lang="en-US" sz="1400" dirty="0" err="1">
+                <a:solidFill>
+                  <a:srgbClr val="FF0000"/>
+                </a:solidFill>
+                <a:latin typeface="Comic Mono" pitchFamily="1" charset="0"/>
+              </a:rPr>
+              <a:t>EndDate</a:t>
+            </a:r>
+            <a:r>
+              <a:rPr lang="en-US" sz="1400" dirty="0">
+                <a:solidFill>
+                  <a:srgbClr val="FF0000"/>
+                </a:solidFill>
+                <a:latin typeface="Comic Mono" pitchFamily="1" charset="0"/>
+              </a:rPr>
+              <a:t>, Result, </a:t>
+            </a:r>
+            <a:r>
+              <a:rPr lang="en-US" sz="1400" dirty="0" err="1">
+                <a:solidFill>
+                  <a:srgbClr val="FF0000"/>
+                </a:solidFill>
+                <a:latin typeface="Comic Mono" pitchFamily="1" charset="0"/>
+              </a:rPr>
+              <a:t>UserId</a:t>
+            </a:r>
+            <a:r>
+              <a:rPr lang="en-US" sz="1400" dirty="0">
+                <a:solidFill>
+                  <a:srgbClr val="FF0000"/>
+                </a:solidFill>
+                <a:latin typeface="Comic Mono" pitchFamily="1" charset="0"/>
+              </a:rPr>
+              <a:t>) SELECT 'Corso di tango </a:t>
+            </a:r>
+            <a:r>
+              <a:rPr lang="en-US" sz="1400" dirty="0" err="1">
+                <a:solidFill>
+                  <a:srgbClr val="FF0000"/>
+                </a:solidFill>
+                <a:latin typeface="Comic Mono" pitchFamily="1" charset="0"/>
+              </a:rPr>
+              <a:t>acrobatico</a:t>
+            </a:r>
+            <a:r>
+              <a:rPr lang="en-US" sz="1400" dirty="0">
+                <a:solidFill>
+                  <a:srgbClr val="FF0000"/>
+                </a:solidFill>
+                <a:latin typeface="Comic Mono" pitchFamily="1" charset="0"/>
+              </a:rPr>
+              <a:t>', CAST('20251002' AS DATE), CAST('20251002' AS DATE), 30, (SELECT Id FROM </a:t>
+            </a:r>
+            <a:r>
+              <a:rPr lang="en-US" sz="1400" dirty="0" err="1">
+                <a:solidFill>
+                  <a:srgbClr val="FF0000"/>
+                </a:solidFill>
+                <a:latin typeface="Comic Mono" pitchFamily="1" charset="0"/>
+              </a:rPr>
+              <a:t>dbo.Users</a:t>
+            </a:r>
+            <a:r>
+              <a:rPr lang="en-US" sz="1400" dirty="0">
+                <a:solidFill>
+                  <a:srgbClr val="FF0000"/>
+                </a:solidFill>
+                <a:latin typeface="Comic Mono" pitchFamily="1" charset="0"/>
+              </a:rPr>
+              <a:t> WHERE Email = 'pippo@disney.com');--</a:t>
+            </a:r>
+            <a:r>
+              <a:rPr lang="en-US" sz="1400" dirty="0">
+                <a:latin typeface="Comic Mono" pitchFamily="1" charset="0"/>
+              </a:rPr>
+              <a:t>%' ORDER BY </a:t>
+            </a:r>
+            <a:r>
+              <a:rPr lang="en-US" sz="1400" dirty="0" err="1">
+                <a:latin typeface="Comic Mono" pitchFamily="1" charset="0"/>
+              </a:rPr>
+              <a:t>CourseStartDate</a:t>
+            </a:r>
+            <a:r>
+              <a:rPr lang="en-US" sz="1400" dirty="0">
+                <a:latin typeface="Comic Mono" pitchFamily="1" charset="0"/>
+              </a:rPr>
+              <a:t>;</a:t>
+            </a:r>
+            <a:endParaRPr sz="1400" dirty="0">
+              <a:latin typeface="Comic Mono" pitchFamily="1" charset="0"/>
+            </a:endParaRPr>
+          </a:p>
+        </p:txBody>
+      </p:sp>
+    </p:spTree>
+    <p:extLst>
+      <p:ext uri="{BB962C8B-B14F-4D97-AF65-F5344CB8AC3E}">
+        <p14:creationId xmlns:p14="http://schemas.microsoft.com/office/powerpoint/2010/main" val="3388299263"/>
+      </p:ext>
+    </p:extLst>
+  </p:cSld>
+  <p:clrMapOvr>
+    <a:masterClrMapping/>
+  </p:clrMapOvr>
+</p:sld>
+</file>
+
+<file path=ppt/slides/slide11.xml><?xml version="1.0" encoding="utf-8"?>
+<p:sld xmlns:a="http://schemas.openxmlformats.org/drawingml/2006/main" xmlns:r="http://schemas.openxmlformats.org/officeDocument/2006/relationships" xmlns:p="http://schemas.openxmlformats.org/presentationml/2006/main">
+  <p:cSld>
+    <p:spTree>
+      <p:nvGrpSpPr>
+        <p:cNvPr id="1" name="Shape 127">
+          <a:extLst>
+            <a:ext uri="{FF2B5EF4-FFF2-40B4-BE49-F238E27FC236}">
+              <a16:creationId xmlns:a16="http://schemas.microsoft.com/office/drawing/2014/main" id="{636EE322-A662-0371-75C9-16633F3BB9F2}"/>
+            </a:ext>
+          </a:extLst>
+        </p:cNvPr>
+        <p:cNvGrpSpPr/>
+        <p:nvPr/>
+      </p:nvGrpSpPr>
+      <p:grpSpPr>
+        <a:xfrm>
+          <a:off x="0" y="0"/>
+          <a:ext cx="0" cy="0"/>
+          <a:chOff x="0" y="0"/>
+          <a:chExt cx="0" cy="0"/>
+        </a:xfrm>
+      </p:grpSpPr>
+      <p:sp>
+        <p:nvSpPr>
+          <p:cNvPr id="128" name="Google Shape;128;p31">
+            <a:extLst>
+              <a:ext uri="{FF2B5EF4-FFF2-40B4-BE49-F238E27FC236}">
+                <a16:creationId xmlns:a16="http://schemas.microsoft.com/office/drawing/2014/main" id="{195004AB-5ED0-C943-CF67-C80F05E44004}"/>
+              </a:ext>
+            </a:extLst>
+          </p:cNvPr>
+          <p:cNvSpPr txBox="1">
+            <a:spLocks noGrp="1"/>
+          </p:cNvSpPr>
+          <p:nvPr>
+            <p:ph type="title"/>
+          </p:nvPr>
+        </p:nvSpPr>
+        <p:spPr>
+          <a:xfrm>
+            <a:off x="1290150" y="1454970"/>
+            <a:ext cx="6563700" cy="572700"/>
+          </a:xfrm>
+          <a:prstGeom prst="rect">
+            <a:avLst/>
+          </a:prstGeom>
+        </p:spPr>
+        <p:txBody>
+          <a:bodyPr spcFirstLastPara="1" wrap="square" lIns="0" tIns="0" rIns="0" bIns="0" anchor="t" anchorCtr="0">
+            <a:noAutofit/>
+          </a:bodyPr>
+          <a:lstStyle/>
+          <a:p>
+            <a:pPr lvl="0" algn="ctr"/>
+            <a:r>
+              <a:rPr lang="en-US" dirty="0" err="1"/>
+              <a:t>Stringhe</a:t>
+            </a:r>
+            <a:r>
+              <a:rPr lang="en-US" dirty="0"/>
+              <a:t> di </a:t>
+            </a:r>
+            <a:r>
+              <a:rPr lang="en-US" dirty="0" err="1"/>
+              <a:t>ricerca</a:t>
+            </a:r>
+            <a:r>
+              <a:rPr lang="en-US" dirty="0"/>
+              <a:t> </a:t>
+            </a:r>
+            <a:r>
+              <a:rPr lang="en-US" dirty="0" err="1"/>
+              <a:t>interessanti</a:t>
+            </a:r>
+            <a:endParaRPr dirty="0"/>
+          </a:p>
+        </p:txBody>
+      </p:sp>
+      <p:pic>
+        <p:nvPicPr>
+          <p:cNvPr id="129" name="Google Shape;129;p31">
+            <a:extLst>
+              <a:ext uri="{FF2B5EF4-FFF2-40B4-BE49-F238E27FC236}">
+                <a16:creationId xmlns:a16="http://schemas.microsoft.com/office/drawing/2014/main" id="{31151D6E-FC87-00EA-80CB-57DEC847F6ED}"/>
+              </a:ext>
+            </a:extLst>
+          </p:cNvPr>
+          <p:cNvPicPr preferRelativeResize="0"/>
+          <p:nvPr/>
+        </p:nvPicPr>
+        <p:blipFill>
+          <a:blip r:embed="rId3">
+            <a:alphaModFix/>
+          </a:blip>
+          <a:stretch>
+            <a:fillRect/>
+          </a:stretch>
+        </p:blipFill>
+        <p:spPr>
+          <a:xfrm>
+            <a:off x="4116500" y="448013"/>
+            <a:ext cx="911000" cy="911000"/>
+          </a:xfrm>
+          <a:prstGeom prst="rect">
+            <a:avLst/>
+          </a:prstGeom>
+          <a:noFill/>
+          <a:ln>
+            <a:noFill/>
+          </a:ln>
+        </p:spPr>
+      </p:pic>
+      <p:sp>
+        <p:nvSpPr>
+          <p:cNvPr id="130" name="Google Shape;130;p31">
+            <a:extLst>
+              <a:ext uri="{FF2B5EF4-FFF2-40B4-BE49-F238E27FC236}">
+                <a16:creationId xmlns:a16="http://schemas.microsoft.com/office/drawing/2014/main" id="{EFA65E0F-0774-800E-AE39-63360B053884}"/>
+              </a:ext>
+            </a:extLst>
+          </p:cNvPr>
+          <p:cNvSpPr txBox="1">
+            <a:spLocks noGrp="1"/>
+          </p:cNvSpPr>
+          <p:nvPr>
+            <p:ph type="title" idx="2"/>
+          </p:nvPr>
+        </p:nvSpPr>
+        <p:spPr>
+          <a:xfrm>
+            <a:off x="1128450" y="2195169"/>
+            <a:ext cx="6887100" cy="2292051"/>
+          </a:xfrm>
+          <a:prstGeom prst="rect">
+            <a:avLst/>
+          </a:prstGeom>
+        </p:spPr>
+        <p:txBody>
+          <a:bodyPr spcFirstLastPara="1" wrap="square" lIns="0" tIns="0" rIns="0" bIns="0" anchor="t" anchorCtr="0">
+            <a:noAutofit/>
+          </a:bodyPr>
+          <a:lstStyle/>
+          <a:p>
+            <a:pPr marL="127000" lvl="0">
+              <a:lnSpc>
+                <a:spcPct val="115000"/>
+              </a:lnSpc>
+              <a:buClr>
+                <a:srgbClr val="D93232"/>
+              </a:buClr>
+              <a:buSzPts val="1600"/>
+            </a:pPr>
+            <a:r>
+              <a:rPr lang="en-US" sz="1400" dirty="0">
+                <a:latin typeface="Comic Mono" pitchFamily="1" charset="0"/>
+              </a:rPr>
+              <a:t>SELECT</a:t>
+            </a:r>
+            <a:br>
+              <a:rPr lang="en-US" sz="1400" dirty="0">
+                <a:latin typeface="Comic Mono" pitchFamily="1" charset="0"/>
+              </a:rPr>
+            </a:br>
+            <a:r>
+              <a:rPr lang="en-US" sz="1400" dirty="0">
+                <a:latin typeface="Comic Mono" pitchFamily="1" charset="0"/>
+              </a:rPr>
+              <a:t>	Id, Title, StartDate, </a:t>
+            </a:r>
+            <a:r>
+              <a:rPr lang="en-US" sz="1400" dirty="0" err="1">
+                <a:latin typeface="Comic Mono" pitchFamily="1" charset="0"/>
+              </a:rPr>
+              <a:t>EndDate</a:t>
+            </a:r>
+            <a:r>
+              <a:rPr lang="en-US" sz="1400" dirty="0">
+                <a:latin typeface="Comic Mono" pitchFamily="1" charset="0"/>
+              </a:rPr>
+              <a:t>, Result, </a:t>
+            </a:r>
+            <a:r>
+              <a:rPr lang="en-US" sz="1400" dirty="0" err="1">
+                <a:latin typeface="Comic Mono" pitchFamily="1" charset="0"/>
+              </a:rPr>
+              <a:t>UserId</a:t>
+            </a:r>
+            <a:br>
+              <a:rPr lang="en-US" sz="1400" dirty="0">
+                <a:latin typeface="Comic Mono" pitchFamily="1" charset="0"/>
+              </a:rPr>
+            </a:br>
+            <a:r>
+              <a:rPr lang="en-US" sz="1400" dirty="0">
+                <a:latin typeface="Comic Mono" pitchFamily="1" charset="0"/>
+              </a:rPr>
+              <a:t>FROM </a:t>
+            </a:r>
+            <a:r>
+              <a:rPr lang="en-US" sz="1400" dirty="0" err="1">
+                <a:latin typeface="Comic Mono" pitchFamily="1" charset="0"/>
+              </a:rPr>
+              <a:t>dbo.Courses</a:t>
+            </a:r>
+            <a:br>
+              <a:rPr lang="en-US" sz="1400" dirty="0">
+                <a:latin typeface="Comic Mono" pitchFamily="1" charset="0"/>
+              </a:rPr>
+            </a:br>
+            <a:r>
+              <a:rPr lang="en-US" sz="1400" dirty="0">
+                <a:latin typeface="Comic Mono" pitchFamily="1" charset="0"/>
+              </a:rPr>
+              <a:t>WHERE </a:t>
+            </a:r>
+            <a:r>
+              <a:rPr lang="en-US" sz="1400" dirty="0" err="1">
+                <a:latin typeface="Comic Mono" pitchFamily="1" charset="0"/>
+              </a:rPr>
+              <a:t>UserId</a:t>
+            </a:r>
+            <a:r>
+              <a:rPr lang="en-US" sz="1400" dirty="0">
+                <a:latin typeface="Comic Mono" pitchFamily="1" charset="0"/>
+              </a:rPr>
+              <a:t> = </a:t>
+            </a:r>
+            <a:r>
+              <a:rPr lang="en-US" sz="1400" dirty="0">
+                <a:solidFill>
+                  <a:schemeClr val="accent1"/>
+                </a:solidFill>
+                <a:latin typeface="Comic Mono" pitchFamily="1" charset="0"/>
+              </a:rPr>
+              <a:t>{</a:t>
+            </a:r>
+            <a:r>
+              <a:rPr lang="en-US" sz="1400" dirty="0" err="1">
+                <a:solidFill>
+                  <a:schemeClr val="accent5">
+                    <a:lumMod val="60000"/>
+                    <a:lumOff val="40000"/>
+                  </a:schemeClr>
+                </a:solidFill>
+                <a:latin typeface="Comic Mono" pitchFamily="1" charset="0"/>
+              </a:rPr>
+              <a:t>userId</a:t>
+            </a:r>
+            <a:r>
+              <a:rPr lang="en-US" sz="1400" dirty="0">
+                <a:solidFill>
+                  <a:schemeClr val="accent1"/>
+                </a:solidFill>
+                <a:latin typeface="Comic Mono" pitchFamily="1" charset="0"/>
+              </a:rPr>
+              <a:t>}</a:t>
+            </a:r>
+            <a:br>
+              <a:rPr lang="en-US" sz="1400" dirty="0">
+                <a:latin typeface="Comic Mono" pitchFamily="1" charset="0"/>
+              </a:rPr>
+            </a:br>
+            <a:r>
+              <a:rPr lang="en-US" sz="1400" dirty="0">
+                <a:latin typeface="Comic Mono" pitchFamily="1" charset="0"/>
+              </a:rPr>
+              <a:t>	AND Title LIKE ‘%</a:t>
+            </a:r>
+            <a:r>
+              <a:rPr lang="en-US" sz="1400" dirty="0">
+                <a:solidFill>
+                  <a:srgbClr val="FF0000"/>
+                </a:solidFill>
+                <a:latin typeface="Comic Mono" pitchFamily="1" charset="0"/>
+              </a:rPr>
+              <a:t>’ UNION ALL SELECT NULL, D.name, NULL, NULL, NULL, NULL FROM </a:t>
+            </a:r>
+            <a:r>
+              <a:rPr lang="en-US" sz="1400" dirty="0" err="1">
+                <a:solidFill>
+                  <a:srgbClr val="FF0000"/>
+                </a:solidFill>
+                <a:latin typeface="Comic Mono" pitchFamily="1" charset="0"/>
+              </a:rPr>
+              <a:t>sys.databases</a:t>
+            </a:r>
+            <a:r>
+              <a:rPr lang="en-US" sz="1400" dirty="0">
+                <a:solidFill>
+                  <a:srgbClr val="FF0000"/>
+                </a:solidFill>
+                <a:latin typeface="Comic Mono" pitchFamily="1" charset="0"/>
+              </a:rPr>
+              <a:t> D ORDER BY 2--</a:t>
+            </a:r>
+            <a:r>
+              <a:rPr lang="en-US" sz="1400" dirty="0">
+                <a:latin typeface="Comic Mono" pitchFamily="1" charset="0"/>
+              </a:rPr>
+              <a:t>%’ ORDER BY </a:t>
+            </a:r>
+            <a:r>
+              <a:rPr lang="en-US" sz="1400" dirty="0" err="1">
+                <a:latin typeface="Comic Mono" pitchFamily="1" charset="0"/>
+              </a:rPr>
+              <a:t>CourseStartDate</a:t>
+            </a:r>
+            <a:r>
+              <a:rPr lang="en-US" sz="1400" dirty="0">
+                <a:latin typeface="Comic Mono" pitchFamily="1" charset="0"/>
+              </a:rPr>
+              <a:t>;</a:t>
+            </a:r>
+            <a:endParaRPr sz="1400" dirty="0">
+              <a:latin typeface="Comic Mono" pitchFamily="1" charset="0"/>
+            </a:endParaRPr>
+          </a:p>
+        </p:txBody>
+      </p:sp>
+    </p:spTree>
+    <p:extLst>
+      <p:ext uri="{BB962C8B-B14F-4D97-AF65-F5344CB8AC3E}">
+        <p14:creationId xmlns:p14="http://schemas.microsoft.com/office/powerpoint/2010/main" val="1631117498"/>
+      </p:ext>
+    </p:extLst>
+  </p:cSld>
+  <p:clrMapOvr>
+    <a:masterClrMapping/>
+  </p:clrMapOvr>
+</p:sld>
+</file>
+
+<file path=ppt/slides/slide12.xml><?xml version="1.0" encoding="utf-8"?>
+<p:sld xmlns:a="http://schemas.openxmlformats.org/drawingml/2006/main" xmlns:r="http://schemas.openxmlformats.org/officeDocument/2006/relationships" xmlns:p="http://schemas.openxmlformats.org/presentationml/2006/main">
+  <p:cSld>
+    <p:spTree>
+      <p:nvGrpSpPr>
+        <p:cNvPr id="1" name="Shape 127">
+          <a:extLst>
+            <a:ext uri="{FF2B5EF4-FFF2-40B4-BE49-F238E27FC236}">
+              <a16:creationId xmlns:a16="http://schemas.microsoft.com/office/drawing/2014/main" id="{61095034-4560-3853-6547-41BB28E34700}"/>
+            </a:ext>
+          </a:extLst>
+        </p:cNvPr>
+        <p:cNvGrpSpPr/>
+        <p:nvPr/>
+      </p:nvGrpSpPr>
+      <p:grpSpPr>
+        <a:xfrm>
+          <a:off x="0" y="0"/>
+          <a:ext cx="0" cy="0"/>
+          <a:chOff x="0" y="0"/>
+          <a:chExt cx="0" cy="0"/>
+        </a:xfrm>
+      </p:grpSpPr>
+      <p:sp>
+        <p:nvSpPr>
+          <p:cNvPr id="128" name="Google Shape;128;p31">
+            <a:extLst>
+              <a:ext uri="{FF2B5EF4-FFF2-40B4-BE49-F238E27FC236}">
+                <a16:creationId xmlns:a16="http://schemas.microsoft.com/office/drawing/2014/main" id="{41739FE4-3F2A-9890-D33A-084851C742BD}"/>
+              </a:ext>
+            </a:extLst>
+          </p:cNvPr>
+          <p:cNvSpPr txBox="1">
+            <a:spLocks noGrp="1"/>
+          </p:cNvSpPr>
+          <p:nvPr>
+            <p:ph type="title"/>
+          </p:nvPr>
+        </p:nvSpPr>
+        <p:spPr>
+          <a:xfrm>
+            <a:off x="1290150" y="1454970"/>
+            <a:ext cx="6563700" cy="572700"/>
+          </a:xfrm>
+          <a:prstGeom prst="rect">
+            <a:avLst/>
+          </a:prstGeom>
+        </p:spPr>
+        <p:txBody>
+          <a:bodyPr spcFirstLastPara="1" wrap="square" lIns="0" tIns="0" rIns="0" bIns="0" anchor="t" anchorCtr="0">
+            <a:noAutofit/>
+          </a:bodyPr>
+          <a:lstStyle/>
+          <a:p>
+            <a:pPr lvl="0" algn="ctr"/>
+            <a:r>
+              <a:rPr lang="en-US" dirty="0" err="1"/>
+              <a:t>Stringhe</a:t>
+            </a:r>
+            <a:r>
+              <a:rPr lang="en-US" dirty="0"/>
+              <a:t> di </a:t>
+            </a:r>
+            <a:r>
+              <a:rPr lang="en-US" dirty="0" err="1"/>
+              <a:t>ricerca</a:t>
+            </a:r>
+            <a:r>
+              <a:rPr lang="en-US" dirty="0"/>
+              <a:t> </a:t>
+            </a:r>
+            <a:r>
+              <a:rPr lang="en-US" dirty="0" err="1"/>
+              <a:t>interessanti</a:t>
+            </a:r>
+            <a:endParaRPr dirty="0"/>
+          </a:p>
+        </p:txBody>
+      </p:sp>
+      <p:pic>
+        <p:nvPicPr>
+          <p:cNvPr id="129" name="Google Shape;129;p31">
+            <a:extLst>
+              <a:ext uri="{FF2B5EF4-FFF2-40B4-BE49-F238E27FC236}">
+                <a16:creationId xmlns:a16="http://schemas.microsoft.com/office/drawing/2014/main" id="{E223A1C8-4328-3852-F322-6FB4778D3ED2}"/>
+              </a:ext>
+            </a:extLst>
+          </p:cNvPr>
+          <p:cNvPicPr preferRelativeResize="0"/>
+          <p:nvPr/>
+        </p:nvPicPr>
+        <p:blipFill>
+          <a:blip r:embed="rId3">
+            <a:alphaModFix/>
+          </a:blip>
+          <a:stretch>
+            <a:fillRect/>
+          </a:stretch>
+        </p:blipFill>
+        <p:spPr>
+          <a:xfrm>
+            <a:off x="4116500" y="448013"/>
+            <a:ext cx="911000" cy="911000"/>
+          </a:xfrm>
+          <a:prstGeom prst="rect">
+            <a:avLst/>
+          </a:prstGeom>
+          <a:noFill/>
+          <a:ln>
+            <a:noFill/>
+          </a:ln>
+        </p:spPr>
+      </p:pic>
+      <p:sp>
+        <p:nvSpPr>
+          <p:cNvPr id="130" name="Google Shape;130;p31">
+            <a:extLst>
+              <a:ext uri="{FF2B5EF4-FFF2-40B4-BE49-F238E27FC236}">
+                <a16:creationId xmlns:a16="http://schemas.microsoft.com/office/drawing/2014/main" id="{D732024A-DAC3-9C13-6056-83EE77BB5516}"/>
+              </a:ext>
+            </a:extLst>
+          </p:cNvPr>
+          <p:cNvSpPr txBox="1">
+            <a:spLocks noGrp="1"/>
+          </p:cNvSpPr>
+          <p:nvPr>
+            <p:ph type="title" idx="2"/>
+          </p:nvPr>
+        </p:nvSpPr>
+        <p:spPr>
+          <a:xfrm>
+            <a:off x="1441500" y="2123627"/>
+            <a:ext cx="6261000" cy="2292051"/>
+          </a:xfrm>
+          <a:prstGeom prst="rect">
+            <a:avLst/>
+          </a:prstGeom>
+        </p:spPr>
+        <p:txBody>
+          <a:bodyPr spcFirstLastPara="1" wrap="square" lIns="0" tIns="0" rIns="0" bIns="0" anchor="t" anchorCtr="0">
+            <a:noAutofit/>
+          </a:bodyPr>
+          <a:lstStyle/>
+          <a:p>
+            <a:pPr marL="127000" lvl="0">
+              <a:lnSpc>
+                <a:spcPct val="115000"/>
+              </a:lnSpc>
+              <a:buClr>
+                <a:srgbClr val="D93232"/>
+              </a:buClr>
+              <a:buSzPts val="1600"/>
+            </a:pPr>
+            <a:r>
+              <a:rPr lang="en-US" sz="1400" dirty="0">
+                <a:latin typeface="Comic Mono" pitchFamily="1" charset="0"/>
+              </a:rPr>
+              <a:t>SELECT</a:t>
+            </a:r>
+            <a:br>
+              <a:rPr lang="en-US" sz="1400" dirty="0">
+                <a:latin typeface="Comic Mono" pitchFamily="1" charset="0"/>
+              </a:rPr>
+            </a:br>
+            <a:r>
+              <a:rPr lang="en-US" sz="1400" dirty="0">
+                <a:latin typeface="Comic Mono" pitchFamily="1" charset="0"/>
+              </a:rPr>
+              <a:t>	Id, Title, StartDate, </a:t>
+            </a:r>
+            <a:r>
+              <a:rPr lang="en-US" sz="1400" dirty="0" err="1">
+                <a:latin typeface="Comic Mono" pitchFamily="1" charset="0"/>
+              </a:rPr>
+              <a:t>EndDate</a:t>
+            </a:r>
+            <a:r>
+              <a:rPr lang="en-US" sz="1400" dirty="0">
+                <a:latin typeface="Comic Mono" pitchFamily="1" charset="0"/>
+              </a:rPr>
+              <a:t>, Result, </a:t>
+            </a:r>
+            <a:r>
+              <a:rPr lang="en-US" sz="1400" dirty="0" err="1">
+                <a:latin typeface="Comic Mono" pitchFamily="1" charset="0"/>
+              </a:rPr>
+              <a:t>UserId</a:t>
+            </a:r>
+            <a:br>
+              <a:rPr lang="en-US" sz="1400" dirty="0">
+                <a:latin typeface="Comic Mono" pitchFamily="1" charset="0"/>
+              </a:rPr>
+            </a:br>
+            <a:r>
+              <a:rPr lang="en-US" sz="1400" dirty="0">
+                <a:latin typeface="Comic Mono" pitchFamily="1" charset="0"/>
+              </a:rPr>
+              <a:t>FROM </a:t>
+            </a:r>
+            <a:r>
+              <a:rPr lang="en-US" sz="1400" dirty="0" err="1">
+                <a:latin typeface="Comic Mono" pitchFamily="1" charset="0"/>
+              </a:rPr>
+              <a:t>dbo.Courses</a:t>
+            </a:r>
+            <a:br>
+              <a:rPr lang="en-US" sz="1400" dirty="0">
+                <a:latin typeface="Comic Mono" pitchFamily="1" charset="0"/>
+              </a:rPr>
+            </a:br>
+            <a:r>
+              <a:rPr lang="en-US" sz="1400" dirty="0">
+                <a:latin typeface="Comic Mono" pitchFamily="1" charset="0"/>
+              </a:rPr>
+              <a:t>WHERE </a:t>
+            </a:r>
+            <a:r>
+              <a:rPr lang="en-US" sz="1400" dirty="0" err="1">
+                <a:latin typeface="Comic Mono" pitchFamily="1" charset="0"/>
+              </a:rPr>
+              <a:t>UserId</a:t>
+            </a:r>
+            <a:r>
+              <a:rPr lang="en-US" sz="1400" dirty="0">
+                <a:latin typeface="Comic Mono" pitchFamily="1" charset="0"/>
+              </a:rPr>
+              <a:t> = </a:t>
+            </a:r>
+            <a:r>
+              <a:rPr lang="en-US" sz="1400" dirty="0">
+                <a:solidFill>
+                  <a:schemeClr val="accent1"/>
+                </a:solidFill>
+                <a:latin typeface="Comic Mono" pitchFamily="1" charset="0"/>
+              </a:rPr>
+              <a:t>{</a:t>
+            </a:r>
+            <a:r>
+              <a:rPr lang="en-US" sz="1400" dirty="0" err="1">
+                <a:solidFill>
+                  <a:schemeClr val="accent5">
+                    <a:lumMod val="60000"/>
+                    <a:lumOff val="40000"/>
+                  </a:schemeClr>
+                </a:solidFill>
+                <a:latin typeface="Comic Mono" pitchFamily="1" charset="0"/>
+              </a:rPr>
+              <a:t>userId</a:t>
+            </a:r>
+            <a:r>
+              <a:rPr lang="en-US" sz="1400" dirty="0">
+                <a:solidFill>
+                  <a:schemeClr val="accent1"/>
+                </a:solidFill>
+                <a:latin typeface="Comic Mono" pitchFamily="1" charset="0"/>
+              </a:rPr>
+              <a:t>}</a:t>
+            </a:r>
+            <a:br>
+              <a:rPr lang="en-US" sz="1400" dirty="0">
+                <a:latin typeface="Comic Mono" pitchFamily="1" charset="0"/>
+              </a:rPr>
+            </a:br>
+            <a:r>
+              <a:rPr lang="en-US" sz="1400" dirty="0">
+                <a:latin typeface="Comic Mono" pitchFamily="1" charset="0"/>
+              </a:rPr>
+              <a:t>	AND Title LIKE '%</a:t>
+            </a:r>
+            <a:r>
+              <a:rPr lang="en-US" sz="1400" dirty="0">
+                <a:solidFill>
+                  <a:srgbClr val="FF0000"/>
+                </a:solidFill>
+                <a:latin typeface="Comic Mono" pitchFamily="1" charset="0"/>
+              </a:rPr>
+              <a:t>' UNION ALL SELECT NULL, CONCAT(S.name, '.', T.name, '.', C.name), NULL, NULL, NULL, NULL FROM AdventureWorks2022.sys.columns C INNER JOIN AdventureWorks2022.sys.tables T ON </a:t>
+            </a:r>
+            <a:r>
+              <a:rPr lang="en-US" sz="1400" dirty="0" err="1">
+                <a:solidFill>
+                  <a:srgbClr val="FF0000"/>
+                </a:solidFill>
+                <a:latin typeface="Comic Mono" pitchFamily="1" charset="0"/>
+              </a:rPr>
+              <a:t>T.object_id</a:t>
+            </a:r>
+            <a:r>
+              <a:rPr lang="en-US" sz="1400" dirty="0">
+                <a:solidFill>
+                  <a:srgbClr val="FF0000"/>
+                </a:solidFill>
+                <a:latin typeface="Comic Mono" pitchFamily="1" charset="0"/>
+              </a:rPr>
+              <a:t> = </a:t>
+            </a:r>
+            <a:r>
+              <a:rPr lang="en-US" sz="1400" dirty="0" err="1">
+                <a:solidFill>
+                  <a:srgbClr val="FF0000"/>
+                </a:solidFill>
+                <a:latin typeface="Comic Mono" pitchFamily="1" charset="0"/>
+              </a:rPr>
+              <a:t>C.object_id</a:t>
+            </a:r>
+            <a:r>
+              <a:rPr lang="en-US" sz="1400" dirty="0">
+                <a:solidFill>
+                  <a:srgbClr val="FF0000"/>
+                </a:solidFill>
+                <a:latin typeface="Comic Mono" pitchFamily="1" charset="0"/>
+              </a:rPr>
+              <a:t> INNER JOIN AdventureWorks2022.sys.schemas S ON </a:t>
+            </a:r>
+            <a:r>
+              <a:rPr lang="en-US" sz="1400" dirty="0" err="1">
+                <a:solidFill>
+                  <a:srgbClr val="FF0000"/>
+                </a:solidFill>
+                <a:latin typeface="Comic Mono" pitchFamily="1" charset="0"/>
+              </a:rPr>
+              <a:t>S.schema_id</a:t>
+            </a:r>
+            <a:r>
+              <a:rPr lang="en-US" sz="1400" dirty="0">
+                <a:solidFill>
+                  <a:srgbClr val="FF0000"/>
+                </a:solidFill>
+                <a:latin typeface="Comic Mono" pitchFamily="1" charset="0"/>
+              </a:rPr>
+              <a:t> = </a:t>
+            </a:r>
+            <a:r>
+              <a:rPr lang="en-US" sz="1400" dirty="0" err="1">
+                <a:solidFill>
+                  <a:srgbClr val="FF0000"/>
+                </a:solidFill>
+                <a:latin typeface="Comic Mono" pitchFamily="1" charset="0"/>
+              </a:rPr>
+              <a:t>T.schema_id</a:t>
+            </a:r>
+            <a:r>
+              <a:rPr lang="en-US" sz="1400" dirty="0">
+                <a:solidFill>
+                  <a:srgbClr val="FF0000"/>
+                </a:solidFill>
+                <a:latin typeface="Comic Mono" pitchFamily="1" charset="0"/>
+              </a:rPr>
+              <a:t> ORDER BY 2--</a:t>
+            </a:r>
+            <a:r>
+              <a:rPr lang="en-US" sz="1400" dirty="0">
+                <a:latin typeface="Comic Mono" pitchFamily="1" charset="0"/>
+              </a:rPr>
+              <a:t>%' ORDER BY </a:t>
+            </a:r>
+            <a:r>
+              <a:rPr lang="en-US" sz="1400" dirty="0" err="1">
+                <a:latin typeface="Comic Mono" pitchFamily="1" charset="0"/>
+              </a:rPr>
+              <a:t>CourseStartDate</a:t>
+            </a:r>
+            <a:r>
+              <a:rPr lang="en-US" sz="1400" dirty="0">
+                <a:latin typeface="Comic Mono" pitchFamily="1" charset="0"/>
+              </a:rPr>
+              <a:t>;</a:t>
+            </a:r>
+            <a:endParaRPr sz="1400" dirty="0">
+              <a:latin typeface="Comic Mono" pitchFamily="1" charset="0"/>
+            </a:endParaRPr>
+          </a:p>
+        </p:txBody>
+      </p:sp>
+    </p:spTree>
+    <p:extLst>
+      <p:ext uri="{BB962C8B-B14F-4D97-AF65-F5344CB8AC3E}">
+        <p14:creationId xmlns:p14="http://schemas.microsoft.com/office/powerpoint/2010/main" val="1544080776"/>
+      </p:ext>
+    </p:extLst>
+  </p:cSld>
+  <p:clrMapOvr>
+    <a:masterClrMapping/>
+  </p:clrMapOvr>
+</p:sld>
+</file>
+
+<file path=ppt/slides/slide13.xml><?xml version="1.0" encoding="utf-8"?>
+<p:sld xmlns:a="http://schemas.openxmlformats.org/drawingml/2006/main" xmlns:r="http://schemas.openxmlformats.org/officeDocument/2006/relationships" xmlns:p="http://schemas.openxmlformats.org/presentationml/2006/main">
+  <p:cSld>
+    <p:spTree>
+      <p:nvGrpSpPr>
+        <p:cNvPr id="1" name="Shape 118"/>
+        <p:cNvGrpSpPr/>
+        <p:nvPr/>
+      </p:nvGrpSpPr>
+      <p:grpSpPr>
+        <a:xfrm>
+          <a:off x="0" y="0"/>
+          <a:ext cx="0" cy="0"/>
+          <a:chOff x="0" y="0"/>
+          <a:chExt cx="0" cy="0"/>
+        </a:xfrm>
+      </p:grpSpPr>
+      <p:sp>
+        <p:nvSpPr>
+          <p:cNvPr id="119" name="Google Shape;119;p30"/>
+          <p:cNvSpPr txBox="1">
+            <a:spLocks noGrp="1"/>
+          </p:cNvSpPr>
+          <p:nvPr>
+            <p:ph type="title"/>
+          </p:nvPr>
+        </p:nvSpPr>
+        <p:spPr>
+          <a:xfrm>
+            <a:off x="2288581" y="1497613"/>
+            <a:ext cx="4566836" cy="572700"/>
+          </a:xfrm>
+          <a:prstGeom prst="rect">
+            <a:avLst/>
+          </a:prstGeom>
+        </p:spPr>
+        <p:txBody>
+          <a:bodyPr spcFirstLastPara="1" wrap="square" lIns="0" tIns="0" rIns="0" bIns="0" anchor="t" anchorCtr="0">
+            <a:noAutofit/>
+          </a:bodyPr>
+          <a:lstStyle/>
+          <a:p>
+            <a:pPr marL="0" lvl="0" indent="0" algn="ctr" rtl="0">
+              <a:spcBef>
+                <a:spcPts val="0"/>
+              </a:spcBef>
+              <a:spcAft>
+                <a:spcPts val="0"/>
+              </a:spcAft>
+              <a:buNone/>
+            </a:pPr>
+            <a:r>
+              <a:rPr lang="en" dirty="0"/>
+              <a:t>Bobby Tables (xkcd.com #327)</a:t>
+            </a:r>
+            <a:endParaRPr dirty="0"/>
+          </a:p>
+        </p:txBody>
+      </p:sp>
+      <p:pic>
+        <p:nvPicPr>
+          <p:cNvPr id="120" name="Google Shape;120;p30"/>
+          <p:cNvPicPr preferRelativeResize="0"/>
+          <p:nvPr/>
+        </p:nvPicPr>
+        <p:blipFill>
+          <a:blip r:embed="rId3">
+            <a:alphaModFix/>
+          </a:blip>
+          <a:stretch>
+            <a:fillRect/>
+          </a:stretch>
+        </p:blipFill>
+        <p:spPr>
+          <a:xfrm>
+            <a:off x="4116500" y="448013"/>
+            <a:ext cx="911000" cy="911000"/>
+          </a:xfrm>
+          <a:prstGeom prst="rect">
+            <a:avLst/>
+          </a:prstGeom>
+          <a:noFill/>
+          <a:ln>
+            <a:noFill/>
+          </a:ln>
+        </p:spPr>
+      </p:pic>
+      <p:sp>
+        <p:nvSpPr>
+          <p:cNvPr id="122" name="Google Shape;122;p30"/>
+          <p:cNvSpPr txBox="1"/>
+          <p:nvPr/>
+        </p:nvSpPr>
+        <p:spPr>
+          <a:xfrm>
+            <a:off x="1311750" y="2070313"/>
+            <a:ext cx="6520500" cy="169200"/>
+          </a:xfrm>
+          <a:prstGeom prst="rect">
+            <a:avLst/>
+          </a:prstGeom>
+          <a:noFill/>
+          <a:ln>
+            <a:noFill/>
+          </a:ln>
+        </p:spPr>
+        <p:txBody>
+          <a:bodyPr spcFirstLastPara="1" wrap="square" lIns="0" tIns="0" rIns="0" bIns="0" anchor="t" anchorCtr="0">
+            <a:spAutoFit/>
+          </a:bodyPr>
+          <a:lstStyle/>
+          <a:p>
+            <a:pPr marL="0" lvl="0" indent="0" algn="ctr" rtl="0">
+              <a:spcBef>
+                <a:spcPts val="0"/>
+              </a:spcBef>
+              <a:spcAft>
+                <a:spcPts val="0"/>
+              </a:spcAft>
+              <a:buNone/>
+            </a:pPr>
+            <a:r>
+              <a:rPr lang="en" sz="1100" dirty="0">
+                <a:solidFill>
+                  <a:srgbClr val="B7B7B7"/>
+                </a:solidFill>
+                <a:latin typeface="Barlow Condensed"/>
+                <a:ea typeface="Barlow Condensed"/>
+                <a:cs typeface="Barlow Condensed"/>
+                <a:sym typeface="Barlow Condensed"/>
+              </a:rPr>
+              <a:t>Molto più di una textbox</a:t>
+            </a:r>
+            <a:endParaRPr sz="1100" dirty="0">
+              <a:solidFill>
+                <a:srgbClr val="B7B7B7"/>
+              </a:solidFill>
+              <a:latin typeface="Barlow Condensed"/>
+              <a:ea typeface="Barlow Condensed"/>
+              <a:cs typeface="Barlow Condensed"/>
+              <a:sym typeface="Barlow Condensed"/>
+            </a:endParaRPr>
+          </a:p>
+        </p:txBody>
+      </p:sp>
+      <p:pic>
+        <p:nvPicPr>
+          <p:cNvPr id="3" name="Picture 2" descr="A cartoon of two people&#10;&#10;AI-generated content may be incorrect.">
+            <a:extLst>
+              <a:ext uri="{FF2B5EF4-FFF2-40B4-BE49-F238E27FC236}">
+                <a16:creationId xmlns:a16="http://schemas.microsoft.com/office/drawing/2014/main" id="{74250F4B-E526-08C0-F935-DD5E12CE8501}"/>
+              </a:ext>
+            </a:extLst>
+          </p:cNvPr>
+          <p:cNvPicPr>
+            <a:picLocks noChangeAspect="1"/>
+          </p:cNvPicPr>
+          <p:nvPr/>
+        </p:nvPicPr>
+        <p:blipFill>
+          <a:blip r:embed="rId4"/>
+          <a:stretch>
+            <a:fillRect/>
+          </a:stretch>
+        </p:blipFill>
+        <p:spPr>
+          <a:xfrm>
+            <a:off x="1594451" y="2432471"/>
+            <a:ext cx="5955097" cy="1834814"/>
+          </a:xfrm>
+          <a:prstGeom prst="rect">
+            <a:avLst/>
+          </a:prstGeom>
+        </p:spPr>
+      </p:pic>
+    </p:spTree>
+  </p:cSld>
+  <p:clrMapOvr>
+    <a:masterClrMapping/>
+  </p:clrMapOvr>
+</p:sld>
+</file>
+
+<file path=ppt/slides/slide14.xml><?xml version="1.0" encoding="utf-8"?>
+<p:sld xmlns:a="http://schemas.openxmlformats.org/drawingml/2006/main" xmlns:r="http://schemas.openxmlformats.org/officeDocument/2006/relationships" xmlns:p="http://schemas.openxmlformats.org/presentationml/2006/main">
+  <p:cSld>
+    <p:spTree>
+      <p:nvGrpSpPr>
+        <p:cNvPr id="1" name="Shape 127">
+          <a:extLst>
+            <a:ext uri="{FF2B5EF4-FFF2-40B4-BE49-F238E27FC236}">
               <a16:creationId xmlns:a16="http://schemas.microsoft.com/office/drawing/2014/main" id="{FFC4F3D9-4C60-3D2D-5635-53F8E82B872A}"/>
             </a:ext>
           </a:extLst>
@@ -10789,7 +12225,7 @@
               <a:rPr lang="en-US" sz="1400" dirty="0">
                 <a:latin typeface="Comic Mono" pitchFamily="1" charset="0"/>
               </a:rPr>
-              <a:t>	AND Title LIKE ‘%</a:t>
+              <a:t>	AND Title LIKE '%</a:t>
             </a:r>
             <a:r>
               <a:rPr lang="en-US" sz="1400" dirty="0">
@@ -10798,7 +12234,7 @@
                 </a:solidFill>
                 <a:latin typeface="Comic Mono" pitchFamily="1" charset="0"/>
               </a:rPr>
-              <a:t>’; DELETE FROM </a:t>
+              <a:t>'; DELETE FROM </a:t>
             </a:r>
             <a:r>
               <a:rPr lang="en-US" sz="1400" dirty="0" err="1">
@@ -10852,13 +12288,13 @@
                 </a:solidFill>
                 <a:latin typeface="Comic Mono" pitchFamily="1" charset="0"/>
               </a:rPr>
-              <a:t> WHERE Email = ‘pippo@disney.com’);--</a:t>
+              <a:t> WHERE Email = 'pippo@disney.com');--</a:t>
             </a:r>
             <a:r>
               <a:rPr lang="en-US" sz="1400" dirty="0">
                 <a:latin typeface="Comic Mono" pitchFamily="1" charset="0"/>
               </a:rPr>
-              <a:t>%’ ORDER BY </a:t>
+              <a:t>%' ORDER BY </a:t>
             </a:r>
             <a:r>
               <a:rPr lang="en-US" sz="1400" dirty="0" err="1">
@@ -10891,7 +12327,7 @@
 </p:sld>
 </file>
 
-<file path=ppt/slides/slide11.xml><?xml version="1.0" encoding="utf-8"?>
+<file path=ppt/slides/slide15.xml><?xml version="1.0" encoding="utf-8"?>
 <p:sld xmlns:a="http://schemas.openxmlformats.org/drawingml/2006/main" xmlns:r="http://schemas.openxmlformats.org/officeDocument/2006/relationships" xmlns:p="http://schemas.openxmlformats.org/presentationml/2006/main">
   <p:cSld>
     <p:spTree>
@@ -11167,7 +12603,7 @@
                 </a:solidFill>
                 <a:latin typeface="Comic Mono" pitchFamily="1" charset="0"/>
               </a:rPr>
-              <a:t>’; DELETE FROM </a:t>
+              <a:t>'; DELETE FROM </a:t>
             </a:r>
             <a:r>
               <a:rPr lang="en-US" sz="1400" dirty="0" err="1">
@@ -11185,7 +12621,7 @@
                 </a:solidFill>
                 <a:latin typeface="Comic Mono" pitchFamily="1" charset="0"/>
               </a:rPr>
-              <a:t> WHERE Email = ‘pippo@disney.com’;--</a:t>
+              <a:t> WHERE Email = 'pippo@disney.com';--</a:t>
             </a:r>
             <a:r>
               <a:rPr lang="en-US" sz="1400" dirty="0">
@@ -11224,946 +12660,7 @@
 </p:sld>
 </file>
 
-<file path=ppt/slides/slide12.xml><?xml version="1.0" encoding="utf-8"?>
-<p:sld xmlns:a="http://schemas.openxmlformats.org/drawingml/2006/main" xmlns:r="http://schemas.openxmlformats.org/officeDocument/2006/relationships" xmlns:p="http://schemas.openxmlformats.org/presentationml/2006/main">
-  <p:cSld>
-    <p:spTree>
-      <p:nvGrpSpPr>
-        <p:cNvPr id="1" name="Shape 127">
-          <a:extLst>
-            <a:ext uri="{FF2B5EF4-FFF2-40B4-BE49-F238E27FC236}">
-              <a16:creationId xmlns:a16="http://schemas.microsoft.com/office/drawing/2014/main" id="{636EE322-A662-0371-75C9-16633F3BB9F2}"/>
-            </a:ext>
-          </a:extLst>
-        </p:cNvPr>
-        <p:cNvGrpSpPr/>
-        <p:nvPr/>
-      </p:nvGrpSpPr>
-      <p:grpSpPr>
-        <a:xfrm>
-          <a:off x="0" y="0"/>
-          <a:ext cx="0" cy="0"/>
-          <a:chOff x="0" y="0"/>
-          <a:chExt cx="0" cy="0"/>
-        </a:xfrm>
-      </p:grpSpPr>
-      <p:sp>
-        <p:nvSpPr>
-          <p:cNvPr id="128" name="Google Shape;128;p31">
-            <a:extLst>
-              <a:ext uri="{FF2B5EF4-FFF2-40B4-BE49-F238E27FC236}">
-                <a16:creationId xmlns:a16="http://schemas.microsoft.com/office/drawing/2014/main" id="{195004AB-5ED0-C943-CF67-C80F05E44004}"/>
-              </a:ext>
-            </a:extLst>
-          </p:cNvPr>
-          <p:cNvSpPr txBox="1">
-            <a:spLocks noGrp="1"/>
-          </p:cNvSpPr>
-          <p:nvPr>
-            <p:ph type="title"/>
-          </p:nvPr>
-        </p:nvSpPr>
-        <p:spPr>
-          <a:xfrm>
-            <a:off x="1290150" y="1454970"/>
-            <a:ext cx="6563700" cy="572700"/>
-          </a:xfrm>
-          <a:prstGeom prst="rect">
-            <a:avLst/>
-          </a:prstGeom>
-        </p:spPr>
-        <p:txBody>
-          <a:bodyPr spcFirstLastPara="1" wrap="square" lIns="0" tIns="0" rIns="0" bIns="0" anchor="t" anchorCtr="0">
-            <a:noAutofit/>
-          </a:bodyPr>
-          <a:lstStyle/>
-          <a:p>
-            <a:pPr lvl="0" algn="ctr"/>
-            <a:r>
-              <a:rPr lang="en-US" dirty="0" err="1"/>
-              <a:t>Stringhe</a:t>
-            </a:r>
-            <a:r>
-              <a:rPr lang="en-US" dirty="0"/>
-              <a:t> di </a:t>
-            </a:r>
-            <a:r>
-              <a:rPr lang="en-US" dirty="0" err="1"/>
-              <a:t>ricerca</a:t>
-            </a:r>
-            <a:r>
-              <a:rPr lang="en-US" dirty="0"/>
-              <a:t> </a:t>
-            </a:r>
-            <a:r>
-              <a:rPr lang="en-US" dirty="0" err="1"/>
-              <a:t>interessanti</a:t>
-            </a:r>
-            <a:endParaRPr dirty="0"/>
-          </a:p>
-        </p:txBody>
-      </p:sp>
-      <p:pic>
-        <p:nvPicPr>
-          <p:cNvPr id="129" name="Google Shape;129;p31">
-            <a:extLst>
-              <a:ext uri="{FF2B5EF4-FFF2-40B4-BE49-F238E27FC236}">
-                <a16:creationId xmlns:a16="http://schemas.microsoft.com/office/drawing/2014/main" id="{31151D6E-FC87-00EA-80CB-57DEC847F6ED}"/>
-              </a:ext>
-            </a:extLst>
-          </p:cNvPr>
-          <p:cNvPicPr preferRelativeResize="0"/>
-          <p:nvPr/>
-        </p:nvPicPr>
-        <p:blipFill>
-          <a:blip r:embed="rId3">
-            <a:alphaModFix/>
-          </a:blip>
-          <a:stretch>
-            <a:fillRect/>
-          </a:stretch>
-        </p:blipFill>
-        <p:spPr>
-          <a:xfrm>
-            <a:off x="4116500" y="448013"/>
-            <a:ext cx="911000" cy="911000"/>
-          </a:xfrm>
-          <a:prstGeom prst="rect">
-            <a:avLst/>
-          </a:prstGeom>
-          <a:noFill/>
-          <a:ln>
-            <a:noFill/>
-          </a:ln>
-        </p:spPr>
-      </p:pic>
-      <p:sp>
-        <p:nvSpPr>
-          <p:cNvPr id="130" name="Google Shape;130;p31">
-            <a:extLst>
-              <a:ext uri="{FF2B5EF4-FFF2-40B4-BE49-F238E27FC236}">
-                <a16:creationId xmlns:a16="http://schemas.microsoft.com/office/drawing/2014/main" id="{EFA65E0F-0774-800E-AE39-63360B053884}"/>
-              </a:ext>
-            </a:extLst>
-          </p:cNvPr>
-          <p:cNvSpPr txBox="1">
-            <a:spLocks noGrp="1"/>
-          </p:cNvSpPr>
-          <p:nvPr>
-            <p:ph type="title" idx="2"/>
-          </p:nvPr>
-        </p:nvSpPr>
-        <p:spPr>
-          <a:xfrm>
-            <a:off x="1128450" y="2195169"/>
-            <a:ext cx="6887100" cy="2292051"/>
-          </a:xfrm>
-          <a:prstGeom prst="rect">
-            <a:avLst/>
-          </a:prstGeom>
-        </p:spPr>
-        <p:txBody>
-          <a:bodyPr spcFirstLastPara="1" wrap="square" lIns="0" tIns="0" rIns="0" bIns="0" anchor="t" anchorCtr="0">
-            <a:noAutofit/>
-          </a:bodyPr>
-          <a:lstStyle/>
-          <a:p>
-            <a:pPr marL="127000" lvl="0">
-              <a:lnSpc>
-                <a:spcPct val="115000"/>
-              </a:lnSpc>
-              <a:buClr>
-                <a:srgbClr val="D93232"/>
-              </a:buClr>
-              <a:buSzPts val="1600"/>
-            </a:pPr>
-            <a:r>
-              <a:rPr lang="en-US" sz="1400" dirty="0">
-                <a:latin typeface="Comic Mono" pitchFamily="1" charset="0"/>
-              </a:rPr>
-              <a:t>SELECT</a:t>
-            </a:r>
-            <a:br>
-              <a:rPr lang="en-US" sz="1400" dirty="0">
-                <a:latin typeface="Comic Mono" pitchFamily="1" charset="0"/>
-              </a:rPr>
-            </a:br>
-            <a:r>
-              <a:rPr lang="en-US" sz="1400" dirty="0">
-                <a:latin typeface="Comic Mono" pitchFamily="1" charset="0"/>
-              </a:rPr>
-              <a:t>	Id, Title, StartDate, </a:t>
-            </a:r>
-            <a:r>
-              <a:rPr lang="en-US" sz="1400" dirty="0" err="1">
-                <a:latin typeface="Comic Mono" pitchFamily="1" charset="0"/>
-              </a:rPr>
-              <a:t>EndDate</a:t>
-            </a:r>
-            <a:r>
-              <a:rPr lang="en-US" sz="1400" dirty="0">
-                <a:latin typeface="Comic Mono" pitchFamily="1" charset="0"/>
-              </a:rPr>
-              <a:t>, Result, </a:t>
-            </a:r>
-            <a:r>
-              <a:rPr lang="en-US" sz="1400" dirty="0" err="1">
-                <a:latin typeface="Comic Mono" pitchFamily="1" charset="0"/>
-              </a:rPr>
-              <a:t>UserId</a:t>
-            </a:r>
-            <a:br>
-              <a:rPr lang="en-US" sz="1400" dirty="0">
-                <a:latin typeface="Comic Mono" pitchFamily="1" charset="0"/>
-              </a:rPr>
-            </a:br>
-            <a:r>
-              <a:rPr lang="en-US" sz="1400" dirty="0">
-                <a:latin typeface="Comic Mono" pitchFamily="1" charset="0"/>
-              </a:rPr>
-              <a:t>FROM </a:t>
-            </a:r>
-            <a:r>
-              <a:rPr lang="en-US" sz="1400" dirty="0" err="1">
-                <a:latin typeface="Comic Mono" pitchFamily="1" charset="0"/>
-              </a:rPr>
-              <a:t>dbo.Courses</a:t>
-            </a:r>
-            <a:br>
-              <a:rPr lang="en-US" sz="1400" dirty="0">
-                <a:latin typeface="Comic Mono" pitchFamily="1" charset="0"/>
-              </a:rPr>
-            </a:br>
-            <a:r>
-              <a:rPr lang="en-US" sz="1400" dirty="0">
-                <a:latin typeface="Comic Mono" pitchFamily="1" charset="0"/>
-              </a:rPr>
-              <a:t>WHERE </a:t>
-            </a:r>
-            <a:r>
-              <a:rPr lang="en-US" sz="1400" dirty="0" err="1">
-                <a:latin typeface="Comic Mono" pitchFamily="1" charset="0"/>
-              </a:rPr>
-              <a:t>UserId</a:t>
-            </a:r>
-            <a:r>
-              <a:rPr lang="en-US" sz="1400" dirty="0">
-                <a:latin typeface="Comic Mono" pitchFamily="1" charset="0"/>
-              </a:rPr>
-              <a:t> = </a:t>
-            </a:r>
-            <a:r>
-              <a:rPr lang="en-US" sz="1400" dirty="0">
-                <a:solidFill>
-                  <a:schemeClr val="accent1"/>
-                </a:solidFill>
-                <a:latin typeface="Comic Mono" pitchFamily="1" charset="0"/>
-              </a:rPr>
-              <a:t>{</a:t>
-            </a:r>
-            <a:r>
-              <a:rPr lang="en-US" sz="1400" dirty="0" err="1">
-                <a:solidFill>
-                  <a:schemeClr val="accent5">
-                    <a:lumMod val="60000"/>
-                    <a:lumOff val="40000"/>
-                  </a:schemeClr>
-                </a:solidFill>
-                <a:latin typeface="Comic Mono" pitchFamily="1" charset="0"/>
-              </a:rPr>
-              <a:t>userId</a:t>
-            </a:r>
-            <a:r>
-              <a:rPr lang="en-US" sz="1400" dirty="0">
-                <a:solidFill>
-                  <a:schemeClr val="accent1"/>
-                </a:solidFill>
-                <a:latin typeface="Comic Mono" pitchFamily="1" charset="0"/>
-              </a:rPr>
-              <a:t>}</a:t>
-            </a:r>
-            <a:br>
-              <a:rPr lang="en-US" sz="1400" dirty="0">
-                <a:latin typeface="Comic Mono" pitchFamily="1" charset="0"/>
-              </a:rPr>
-            </a:br>
-            <a:r>
-              <a:rPr lang="en-US" sz="1400" dirty="0">
-                <a:latin typeface="Comic Mono" pitchFamily="1" charset="0"/>
-              </a:rPr>
-              <a:t>	AND Title LIKE ‘%</a:t>
-            </a:r>
-            <a:r>
-              <a:rPr lang="en-US" sz="1400" dirty="0">
-                <a:solidFill>
-                  <a:srgbClr val="FF0000"/>
-                </a:solidFill>
-                <a:latin typeface="Comic Mono" pitchFamily="1" charset="0"/>
-              </a:rPr>
-              <a:t>’ UNION ALL SELECT NULL, D.name, NULL, NULL, NULL, NULL FROM </a:t>
-            </a:r>
-            <a:r>
-              <a:rPr lang="en-US" sz="1400" dirty="0" err="1">
-                <a:solidFill>
-                  <a:srgbClr val="FF0000"/>
-                </a:solidFill>
-                <a:latin typeface="Comic Mono" pitchFamily="1" charset="0"/>
-              </a:rPr>
-              <a:t>sys.databases</a:t>
-            </a:r>
-            <a:r>
-              <a:rPr lang="en-US" sz="1400" dirty="0">
-                <a:solidFill>
-                  <a:srgbClr val="FF0000"/>
-                </a:solidFill>
-                <a:latin typeface="Comic Mono" pitchFamily="1" charset="0"/>
-              </a:rPr>
-              <a:t> D ORDER BY 2--</a:t>
-            </a:r>
-            <a:r>
-              <a:rPr lang="en-US" sz="1400" dirty="0">
-                <a:latin typeface="Comic Mono" pitchFamily="1" charset="0"/>
-              </a:rPr>
-              <a:t>%’ ORDER BY </a:t>
-            </a:r>
-            <a:r>
-              <a:rPr lang="en-US" sz="1400" dirty="0" err="1">
-                <a:latin typeface="Comic Mono" pitchFamily="1" charset="0"/>
-              </a:rPr>
-              <a:t>CourseStartDate</a:t>
-            </a:r>
-            <a:r>
-              <a:rPr lang="en-US" sz="1400" dirty="0">
-                <a:latin typeface="Comic Mono" pitchFamily="1" charset="0"/>
-              </a:rPr>
-              <a:t>;</a:t>
-            </a:r>
-            <a:endParaRPr sz="1400" dirty="0">
-              <a:latin typeface="Comic Mono" pitchFamily="1" charset="0"/>
-            </a:endParaRPr>
-          </a:p>
-        </p:txBody>
-      </p:sp>
-    </p:spTree>
-    <p:extLst>
-      <p:ext uri="{BB962C8B-B14F-4D97-AF65-F5344CB8AC3E}">
-        <p14:creationId xmlns:p14="http://schemas.microsoft.com/office/powerpoint/2010/main" val="1631117498"/>
-      </p:ext>
-    </p:extLst>
-  </p:cSld>
-  <p:clrMapOvr>
-    <a:masterClrMapping/>
-  </p:clrMapOvr>
-</p:sld>
-</file>
-
-<file path=ppt/slides/slide13.xml><?xml version="1.0" encoding="utf-8"?>
-<p:sld xmlns:a="http://schemas.openxmlformats.org/drawingml/2006/main" xmlns:r="http://schemas.openxmlformats.org/officeDocument/2006/relationships" xmlns:p="http://schemas.openxmlformats.org/presentationml/2006/main">
-  <p:cSld>
-    <p:spTree>
-      <p:nvGrpSpPr>
-        <p:cNvPr id="1" name="Shape 127">
-          <a:extLst>
-            <a:ext uri="{FF2B5EF4-FFF2-40B4-BE49-F238E27FC236}">
-              <a16:creationId xmlns:a16="http://schemas.microsoft.com/office/drawing/2014/main" id="{61095034-4560-3853-6547-41BB28E34700}"/>
-            </a:ext>
-          </a:extLst>
-        </p:cNvPr>
-        <p:cNvGrpSpPr/>
-        <p:nvPr/>
-      </p:nvGrpSpPr>
-      <p:grpSpPr>
-        <a:xfrm>
-          <a:off x="0" y="0"/>
-          <a:ext cx="0" cy="0"/>
-          <a:chOff x="0" y="0"/>
-          <a:chExt cx="0" cy="0"/>
-        </a:xfrm>
-      </p:grpSpPr>
-      <p:sp>
-        <p:nvSpPr>
-          <p:cNvPr id="128" name="Google Shape;128;p31">
-            <a:extLst>
-              <a:ext uri="{FF2B5EF4-FFF2-40B4-BE49-F238E27FC236}">
-                <a16:creationId xmlns:a16="http://schemas.microsoft.com/office/drawing/2014/main" id="{41739FE4-3F2A-9890-D33A-084851C742BD}"/>
-              </a:ext>
-            </a:extLst>
-          </p:cNvPr>
-          <p:cNvSpPr txBox="1">
-            <a:spLocks noGrp="1"/>
-          </p:cNvSpPr>
-          <p:nvPr>
-            <p:ph type="title"/>
-          </p:nvPr>
-        </p:nvSpPr>
-        <p:spPr>
-          <a:xfrm>
-            <a:off x="1290150" y="1454970"/>
-            <a:ext cx="6563700" cy="572700"/>
-          </a:xfrm>
-          <a:prstGeom prst="rect">
-            <a:avLst/>
-          </a:prstGeom>
-        </p:spPr>
-        <p:txBody>
-          <a:bodyPr spcFirstLastPara="1" wrap="square" lIns="0" tIns="0" rIns="0" bIns="0" anchor="t" anchorCtr="0">
-            <a:noAutofit/>
-          </a:bodyPr>
-          <a:lstStyle/>
-          <a:p>
-            <a:pPr lvl="0" algn="ctr"/>
-            <a:r>
-              <a:rPr lang="en-US" dirty="0" err="1"/>
-              <a:t>Stringhe</a:t>
-            </a:r>
-            <a:r>
-              <a:rPr lang="en-US" dirty="0"/>
-              <a:t> di </a:t>
-            </a:r>
-            <a:r>
-              <a:rPr lang="en-US" dirty="0" err="1"/>
-              <a:t>ricerca</a:t>
-            </a:r>
-            <a:r>
-              <a:rPr lang="en-US" dirty="0"/>
-              <a:t> </a:t>
-            </a:r>
-            <a:r>
-              <a:rPr lang="en-US" dirty="0" err="1"/>
-              <a:t>interessanti</a:t>
-            </a:r>
-            <a:endParaRPr dirty="0"/>
-          </a:p>
-        </p:txBody>
-      </p:sp>
-      <p:pic>
-        <p:nvPicPr>
-          <p:cNvPr id="129" name="Google Shape;129;p31">
-            <a:extLst>
-              <a:ext uri="{FF2B5EF4-FFF2-40B4-BE49-F238E27FC236}">
-                <a16:creationId xmlns:a16="http://schemas.microsoft.com/office/drawing/2014/main" id="{E223A1C8-4328-3852-F322-6FB4778D3ED2}"/>
-              </a:ext>
-            </a:extLst>
-          </p:cNvPr>
-          <p:cNvPicPr preferRelativeResize="0"/>
-          <p:nvPr/>
-        </p:nvPicPr>
-        <p:blipFill>
-          <a:blip r:embed="rId3">
-            <a:alphaModFix/>
-          </a:blip>
-          <a:stretch>
-            <a:fillRect/>
-          </a:stretch>
-        </p:blipFill>
-        <p:spPr>
-          <a:xfrm>
-            <a:off x="4116500" y="448013"/>
-            <a:ext cx="911000" cy="911000"/>
-          </a:xfrm>
-          <a:prstGeom prst="rect">
-            <a:avLst/>
-          </a:prstGeom>
-          <a:noFill/>
-          <a:ln>
-            <a:noFill/>
-          </a:ln>
-        </p:spPr>
-      </p:pic>
-      <p:sp>
-        <p:nvSpPr>
-          <p:cNvPr id="130" name="Google Shape;130;p31">
-            <a:extLst>
-              <a:ext uri="{FF2B5EF4-FFF2-40B4-BE49-F238E27FC236}">
-                <a16:creationId xmlns:a16="http://schemas.microsoft.com/office/drawing/2014/main" id="{D732024A-DAC3-9C13-6056-83EE77BB5516}"/>
-              </a:ext>
-            </a:extLst>
-          </p:cNvPr>
-          <p:cNvSpPr txBox="1">
-            <a:spLocks noGrp="1"/>
-          </p:cNvSpPr>
-          <p:nvPr>
-            <p:ph type="title" idx="2"/>
-          </p:nvPr>
-        </p:nvSpPr>
-        <p:spPr>
-          <a:xfrm>
-            <a:off x="1128450" y="2195169"/>
-            <a:ext cx="6887100" cy="2292051"/>
-          </a:xfrm>
-          <a:prstGeom prst="rect">
-            <a:avLst/>
-          </a:prstGeom>
-        </p:spPr>
-        <p:txBody>
-          <a:bodyPr spcFirstLastPara="1" wrap="square" lIns="0" tIns="0" rIns="0" bIns="0" anchor="t" anchorCtr="0">
-            <a:noAutofit/>
-          </a:bodyPr>
-          <a:lstStyle/>
-          <a:p>
-            <a:pPr marL="127000" lvl="0">
-              <a:lnSpc>
-                <a:spcPct val="115000"/>
-              </a:lnSpc>
-              <a:buClr>
-                <a:srgbClr val="D93232"/>
-              </a:buClr>
-              <a:buSzPts val="1600"/>
-            </a:pPr>
-            <a:r>
-              <a:rPr lang="en-US" sz="1400" dirty="0">
-                <a:latin typeface="Comic Mono" pitchFamily="1" charset="0"/>
-              </a:rPr>
-              <a:t>SELECT</a:t>
-            </a:r>
-            <a:br>
-              <a:rPr lang="en-US" sz="1400" dirty="0">
-                <a:latin typeface="Comic Mono" pitchFamily="1" charset="0"/>
-              </a:rPr>
-            </a:br>
-            <a:r>
-              <a:rPr lang="en-US" sz="1400" dirty="0">
-                <a:latin typeface="Comic Mono" pitchFamily="1" charset="0"/>
-              </a:rPr>
-              <a:t>	Id, Title, StartDate, </a:t>
-            </a:r>
-            <a:r>
-              <a:rPr lang="en-US" sz="1400" dirty="0" err="1">
-                <a:latin typeface="Comic Mono" pitchFamily="1" charset="0"/>
-              </a:rPr>
-              <a:t>EndDate</a:t>
-            </a:r>
-            <a:r>
-              <a:rPr lang="en-US" sz="1400" dirty="0">
-                <a:latin typeface="Comic Mono" pitchFamily="1" charset="0"/>
-              </a:rPr>
-              <a:t>, Result, </a:t>
-            </a:r>
-            <a:r>
-              <a:rPr lang="en-US" sz="1400" dirty="0" err="1">
-                <a:latin typeface="Comic Mono" pitchFamily="1" charset="0"/>
-              </a:rPr>
-              <a:t>UserId</a:t>
-            </a:r>
-            <a:br>
-              <a:rPr lang="en-US" sz="1400" dirty="0">
-                <a:latin typeface="Comic Mono" pitchFamily="1" charset="0"/>
-              </a:rPr>
-            </a:br>
-            <a:r>
-              <a:rPr lang="en-US" sz="1400" dirty="0">
-                <a:latin typeface="Comic Mono" pitchFamily="1" charset="0"/>
-              </a:rPr>
-              <a:t>FROM </a:t>
-            </a:r>
-            <a:r>
-              <a:rPr lang="en-US" sz="1400" dirty="0" err="1">
-                <a:latin typeface="Comic Mono" pitchFamily="1" charset="0"/>
-              </a:rPr>
-              <a:t>dbo.Courses</a:t>
-            </a:r>
-            <a:br>
-              <a:rPr lang="en-US" sz="1400" dirty="0">
-                <a:latin typeface="Comic Mono" pitchFamily="1" charset="0"/>
-              </a:rPr>
-            </a:br>
-            <a:r>
-              <a:rPr lang="en-US" sz="1400" dirty="0">
-                <a:latin typeface="Comic Mono" pitchFamily="1" charset="0"/>
-              </a:rPr>
-              <a:t>WHERE </a:t>
-            </a:r>
-            <a:r>
-              <a:rPr lang="en-US" sz="1400" dirty="0" err="1">
-                <a:latin typeface="Comic Mono" pitchFamily="1" charset="0"/>
-              </a:rPr>
-              <a:t>UserId</a:t>
-            </a:r>
-            <a:r>
-              <a:rPr lang="en-US" sz="1400" dirty="0">
-                <a:latin typeface="Comic Mono" pitchFamily="1" charset="0"/>
-              </a:rPr>
-              <a:t> = </a:t>
-            </a:r>
-            <a:r>
-              <a:rPr lang="en-US" sz="1400" dirty="0">
-                <a:solidFill>
-                  <a:schemeClr val="accent1"/>
-                </a:solidFill>
-                <a:latin typeface="Comic Mono" pitchFamily="1" charset="0"/>
-              </a:rPr>
-              <a:t>{</a:t>
-            </a:r>
-            <a:r>
-              <a:rPr lang="en-US" sz="1400" dirty="0" err="1">
-                <a:solidFill>
-                  <a:schemeClr val="accent5">
-                    <a:lumMod val="60000"/>
-                    <a:lumOff val="40000"/>
-                  </a:schemeClr>
-                </a:solidFill>
-                <a:latin typeface="Comic Mono" pitchFamily="1" charset="0"/>
-              </a:rPr>
-              <a:t>userId</a:t>
-            </a:r>
-            <a:r>
-              <a:rPr lang="en-US" sz="1400" dirty="0">
-                <a:solidFill>
-                  <a:schemeClr val="accent1"/>
-                </a:solidFill>
-                <a:latin typeface="Comic Mono" pitchFamily="1" charset="0"/>
-              </a:rPr>
-              <a:t>}</a:t>
-            </a:r>
-            <a:br>
-              <a:rPr lang="en-US" sz="1400" dirty="0">
-                <a:latin typeface="Comic Mono" pitchFamily="1" charset="0"/>
-              </a:rPr>
-            </a:br>
-            <a:r>
-              <a:rPr lang="en-US" sz="1400" dirty="0">
-                <a:latin typeface="Comic Mono" pitchFamily="1" charset="0"/>
-              </a:rPr>
-              <a:t>	AND Title LIKE ‘%</a:t>
-            </a:r>
-            <a:r>
-              <a:rPr lang="en-US" sz="1400" dirty="0">
-                <a:solidFill>
-                  <a:srgbClr val="FF0000"/>
-                </a:solidFill>
-                <a:latin typeface="Comic Mono" pitchFamily="1" charset="0"/>
-              </a:rPr>
-              <a:t>’ UNION ALL SELECT NULL, CONCAT(S.name, ‘.’, T.name, ‘.’, C.name), NULL, NULL, NULL, NULL FROM AdventureWorks2022.sys.columns C INNER JOIN AdventureWorks2022. </a:t>
-            </a:r>
-            <a:r>
-              <a:rPr lang="en-US" sz="1400" dirty="0" err="1">
-                <a:solidFill>
-                  <a:srgbClr val="FF0000"/>
-                </a:solidFill>
-                <a:latin typeface="Comic Mono" pitchFamily="1" charset="0"/>
-              </a:rPr>
-              <a:t>sys.tables</a:t>
-            </a:r>
-            <a:r>
-              <a:rPr lang="en-US" sz="1400" dirty="0">
-                <a:solidFill>
-                  <a:srgbClr val="FF0000"/>
-                </a:solidFill>
-                <a:latin typeface="Comic Mono" pitchFamily="1" charset="0"/>
-              </a:rPr>
-              <a:t> T ON </a:t>
-            </a:r>
-            <a:r>
-              <a:rPr lang="en-US" sz="1400" dirty="0" err="1">
-                <a:solidFill>
-                  <a:srgbClr val="FF0000"/>
-                </a:solidFill>
-                <a:latin typeface="Comic Mono" pitchFamily="1" charset="0"/>
-              </a:rPr>
-              <a:t>T.object_id</a:t>
-            </a:r>
-            <a:r>
-              <a:rPr lang="en-US" sz="1400" dirty="0">
-                <a:solidFill>
-                  <a:srgbClr val="FF0000"/>
-                </a:solidFill>
-                <a:latin typeface="Comic Mono" pitchFamily="1" charset="0"/>
-              </a:rPr>
-              <a:t> = </a:t>
-            </a:r>
-            <a:r>
-              <a:rPr lang="en-US" sz="1400" dirty="0" err="1">
-                <a:solidFill>
-                  <a:srgbClr val="FF0000"/>
-                </a:solidFill>
-                <a:latin typeface="Comic Mono" pitchFamily="1" charset="0"/>
-              </a:rPr>
-              <a:t>C.object_id</a:t>
-            </a:r>
-            <a:r>
-              <a:rPr lang="en-US" sz="1400" dirty="0">
-                <a:solidFill>
-                  <a:srgbClr val="FF0000"/>
-                </a:solidFill>
-                <a:latin typeface="Comic Mono" pitchFamily="1" charset="0"/>
-              </a:rPr>
-              <a:t> INNER JOIN AdventureWorks2022. </a:t>
-            </a:r>
-            <a:r>
-              <a:rPr lang="en-US" sz="1400" dirty="0" err="1">
-                <a:solidFill>
-                  <a:srgbClr val="FF0000"/>
-                </a:solidFill>
-                <a:latin typeface="Comic Mono" pitchFamily="1" charset="0"/>
-              </a:rPr>
-              <a:t>sys.schemas</a:t>
-            </a:r>
-            <a:r>
-              <a:rPr lang="en-US" sz="1400" dirty="0">
-                <a:solidFill>
-                  <a:srgbClr val="FF0000"/>
-                </a:solidFill>
-                <a:latin typeface="Comic Mono" pitchFamily="1" charset="0"/>
-              </a:rPr>
-              <a:t> S ON </a:t>
-            </a:r>
-            <a:r>
-              <a:rPr lang="en-US" sz="1400" dirty="0" err="1">
-                <a:solidFill>
-                  <a:srgbClr val="FF0000"/>
-                </a:solidFill>
-                <a:latin typeface="Comic Mono" pitchFamily="1" charset="0"/>
-              </a:rPr>
-              <a:t>S.schema_id</a:t>
-            </a:r>
-            <a:r>
-              <a:rPr lang="en-US" sz="1400" dirty="0">
-                <a:solidFill>
-                  <a:srgbClr val="FF0000"/>
-                </a:solidFill>
-                <a:latin typeface="Comic Mono" pitchFamily="1" charset="0"/>
-              </a:rPr>
-              <a:t> = </a:t>
-            </a:r>
-            <a:r>
-              <a:rPr lang="en-US" sz="1400" dirty="0" err="1">
-                <a:solidFill>
-                  <a:srgbClr val="FF0000"/>
-                </a:solidFill>
-                <a:latin typeface="Comic Mono" pitchFamily="1" charset="0"/>
-              </a:rPr>
-              <a:t>T.schema_id</a:t>
-            </a:r>
-            <a:r>
-              <a:rPr lang="en-US" sz="1400" dirty="0">
-                <a:solidFill>
-                  <a:srgbClr val="FF0000"/>
-                </a:solidFill>
-                <a:latin typeface="Comic Mono" pitchFamily="1" charset="0"/>
-              </a:rPr>
-              <a:t> ORDER BY 2--</a:t>
-            </a:r>
-            <a:r>
-              <a:rPr lang="en-US" sz="1400" dirty="0">
-                <a:latin typeface="Comic Mono" pitchFamily="1" charset="0"/>
-              </a:rPr>
-              <a:t>%’ ORDER BY </a:t>
-            </a:r>
-            <a:r>
-              <a:rPr lang="en-US" sz="1400" dirty="0" err="1">
-                <a:latin typeface="Comic Mono" pitchFamily="1" charset="0"/>
-              </a:rPr>
-              <a:t>CourseStartDate</a:t>
-            </a:r>
-            <a:r>
-              <a:rPr lang="en-US" sz="1400" dirty="0">
-                <a:latin typeface="Comic Mono" pitchFamily="1" charset="0"/>
-              </a:rPr>
-              <a:t>;</a:t>
-            </a:r>
-            <a:endParaRPr sz="1400" dirty="0">
-              <a:latin typeface="Comic Mono" pitchFamily="1" charset="0"/>
-            </a:endParaRPr>
-          </a:p>
-        </p:txBody>
-      </p:sp>
-    </p:spTree>
-    <p:extLst>
-      <p:ext uri="{BB962C8B-B14F-4D97-AF65-F5344CB8AC3E}">
-        <p14:creationId xmlns:p14="http://schemas.microsoft.com/office/powerpoint/2010/main" val="1544080776"/>
-      </p:ext>
-    </p:extLst>
-  </p:cSld>
-  <p:clrMapOvr>
-    <a:masterClrMapping/>
-  </p:clrMapOvr>
-</p:sld>
-</file>
-
-<file path=ppt/slides/slide14.xml><?xml version="1.0" encoding="utf-8"?>
-<p:sld xmlns:a="http://schemas.openxmlformats.org/drawingml/2006/main" xmlns:r="http://schemas.openxmlformats.org/officeDocument/2006/relationships" xmlns:p="http://schemas.openxmlformats.org/presentationml/2006/main">
-  <p:cSld>
-    <p:spTree>
-      <p:nvGrpSpPr>
-        <p:cNvPr id="1" name="Shape 118"/>
-        <p:cNvGrpSpPr/>
-        <p:nvPr/>
-      </p:nvGrpSpPr>
-      <p:grpSpPr>
-        <a:xfrm>
-          <a:off x="0" y="0"/>
-          <a:ext cx="0" cy="0"/>
-          <a:chOff x="0" y="0"/>
-          <a:chExt cx="0" cy="0"/>
-        </a:xfrm>
-      </p:grpSpPr>
-      <p:sp>
-        <p:nvSpPr>
-          <p:cNvPr id="119" name="Google Shape;119;p30"/>
-          <p:cNvSpPr txBox="1">
-            <a:spLocks noGrp="1"/>
-          </p:cNvSpPr>
-          <p:nvPr>
-            <p:ph type="title"/>
-          </p:nvPr>
-        </p:nvSpPr>
-        <p:spPr>
-          <a:xfrm>
-            <a:off x="2288581" y="1497613"/>
-            <a:ext cx="4566836" cy="572700"/>
-          </a:xfrm>
-          <a:prstGeom prst="rect">
-            <a:avLst/>
-          </a:prstGeom>
-        </p:spPr>
-        <p:txBody>
-          <a:bodyPr spcFirstLastPara="1" wrap="square" lIns="0" tIns="0" rIns="0" bIns="0" anchor="t" anchorCtr="0">
-            <a:noAutofit/>
-          </a:bodyPr>
-          <a:lstStyle/>
-          <a:p>
-            <a:pPr marL="0" lvl="0" indent="0" algn="ctr" rtl="0">
-              <a:spcBef>
-                <a:spcPts val="0"/>
-              </a:spcBef>
-              <a:spcAft>
-                <a:spcPts val="0"/>
-              </a:spcAft>
-              <a:buNone/>
-            </a:pPr>
-            <a:r>
-              <a:rPr lang="en" dirty="0"/>
-              <a:t>Bobby Tables (xkcd.com #327)</a:t>
-            </a:r>
-            <a:endParaRPr dirty="0"/>
-          </a:p>
-        </p:txBody>
-      </p:sp>
-      <p:pic>
-        <p:nvPicPr>
-          <p:cNvPr id="120" name="Google Shape;120;p30"/>
-          <p:cNvPicPr preferRelativeResize="0"/>
-          <p:nvPr/>
-        </p:nvPicPr>
-        <p:blipFill>
-          <a:blip r:embed="rId3">
-            <a:alphaModFix/>
-          </a:blip>
-          <a:stretch>
-            <a:fillRect/>
-          </a:stretch>
-        </p:blipFill>
-        <p:spPr>
-          <a:xfrm>
-            <a:off x="4116500" y="448013"/>
-            <a:ext cx="911000" cy="911000"/>
-          </a:xfrm>
-          <a:prstGeom prst="rect">
-            <a:avLst/>
-          </a:prstGeom>
-          <a:noFill/>
-          <a:ln>
-            <a:noFill/>
-          </a:ln>
-        </p:spPr>
-      </p:pic>
-      <p:sp>
-        <p:nvSpPr>
-          <p:cNvPr id="122" name="Google Shape;122;p30"/>
-          <p:cNvSpPr txBox="1"/>
-          <p:nvPr/>
-        </p:nvSpPr>
-        <p:spPr>
-          <a:xfrm>
-            <a:off x="1311750" y="2070313"/>
-            <a:ext cx="6520500" cy="169200"/>
-          </a:xfrm>
-          <a:prstGeom prst="rect">
-            <a:avLst/>
-          </a:prstGeom>
-          <a:noFill/>
-          <a:ln>
-            <a:noFill/>
-          </a:ln>
-        </p:spPr>
-        <p:txBody>
-          <a:bodyPr spcFirstLastPara="1" wrap="square" lIns="0" tIns="0" rIns="0" bIns="0" anchor="t" anchorCtr="0">
-            <a:spAutoFit/>
-          </a:bodyPr>
-          <a:lstStyle/>
-          <a:p>
-            <a:pPr marL="0" lvl="0" indent="0" algn="ctr" rtl="0">
-              <a:spcBef>
-                <a:spcPts val="0"/>
-              </a:spcBef>
-              <a:spcAft>
-                <a:spcPts val="0"/>
-              </a:spcAft>
-              <a:buNone/>
-            </a:pPr>
-            <a:r>
-              <a:rPr lang="en" sz="1100" dirty="0">
-                <a:solidFill>
-                  <a:srgbClr val="B7B7B7"/>
-                </a:solidFill>
-                <a:latin typeface="Barlow Condensed"/>
-                <a:ea typeface="Barlow Condensed"/>
-                <a:cs typeface="Barlow Condensed"/>
-                <a:sym typeface="Barlow Condensed"/>
-              </a:rPr>
-              <a:t>Molto più di una textbox</a:t>
-            </a:r>
-            <a:endParaRPr sz="1100" dirty="0">
-              <a:solidFill>
-                <a:srgbClr val="B7B7B7"/>
-              </a:solidFill>
-              <a:latin typeface="Barlow Condensed"/>
-              <a:ea typeface="Barlow Condensed"/>
-              <a:cs typeface="Barlow Condensed"/>
-              <a:sym typeface="Barlow Condensed"/>
-            </a:endParaRPr>
-          </a:p>
-        </p:txBody>
-      </p:sp>
-      <p:pic>
-        <p:nvPicPr>
-          <p:cNvPr id="3" name="Picture 2" descr="A cartoon of two people&#10;&#10;AI-generated content may be incorrect.">
-            <a:extLst>
-              <a:ext uri="{FF2B5EF4-FFF2-40B4-BE49-F238E27FC236}">
-                <a16:creationId xmlns:a16="http://schemas.microsoft.com/office/drawing/2014/main" id="{74250F4B-E526-08C0-F935-DD5E12CE8501}"/>
-              </a:ext>
-            </a:extLst>
-          </p:cNvPr>
-          <p:cNvPicPr>
-            <a:picLocks noChangeAspect="1"/>
-          </p:cNvPicPr>
-          <p:nvPr/>
-        </p:nvPicPr>
-        <p:blipFill>
-          <a:blip r:embed="rId4"/>
-          <a:stretch>
-            <a:fillRect/>
-          </a:stretch>
-        </p:blipFill>
-        <p:spPr>
-          <a:xfrm>
-            <a:off x="1594451" y="2432471"/>
-            <a:ext cx="5955097" cy="1834814"/>
-          </a:xfrm>
-          <a:prstGeom prst="rect">
-            <a:avLst/>
-          </a:prstGeom>
-        </p:spPr>
-      </p:pic>
-    </p:spTree>
-  </p:cSld>
-  <p:clrMapOvr>
-    <a:masterClrMapping/>
-  </p:clrMapOvr>
-</p:sld>
-</file>
-
-<file path=ppt/slides/slide15.xml><?xml version="1.0" encoding="utf-8"?>
+<file path=ppt/slides/slide16.xml><?xml version="1.0" encoding="utf-8"?>
 <p:sld xmlns:a="http://schemas.openxmlformats.org/drawingml/2006/main" xmlns:r="http://schemas.openxmlformats.org/officeDocument/2006/relationships" xmlns:p="http://schemas.openxmlformats.org/presentationml/2006/main">
   <p:cSld>
     <p:bg>
@@ -12692,16 +13189,10 @@
           </a:bodyPr>
           <a:lstStyle/>
           <a:p>
-            <a:pPr marL="127000" lvl="0" algn="l" rtl="0">
+            <a:pPr marL="127000" lvl="0">
               <a:lnSpc>
                 <a:spcPct val="115000"/>
               </a:lnSpc>
-              <a:spcBef>
-                <a:spcPts val="0"/>
-              </a:spcBef>
-              <a:spcAft>
-                <a:spcPts val="0"/>
-              </a:spcAft>
               <a:buClr>
                 <a:srgbClr val="D93232"/>
               </a:buClr>
@@ -12750,7 +13241,7 @@
               <a:rPr lang="en-US" sz="1600" dirty="0">
                 <a:latin typeface="Comic Mono" pitchFamily="1" charset="0"/>
               </a:rPr>
-              <a:t>WHERE Username = ‘</a:t>
+              <a:t>WHERE Username = '</a:t>
             </a:r>
             <a:r>
               <a:rPr lang="en-US" sz="1600" dirty="0" err="1">
@@ -12762,7 +13253,7 @@
               <a:rPr lang="en-US" sz="1600" dirty="0">
                 <a:latin typeface="Comic Mono" pitchFamily="1" charset="0"/>
               </a:rPr>
-              <a:t>’</a:t>
+              <a:t>'</a:t>
             </a:r>
             <a:br>
               <a:rPr lang="en-US" sz="1600" dirty="0">
@@ -12773,7 +13264,7 @@
               <a:rPr lang="en-US" sz="1600" dirty="0">
                 <a:latin typeface="Comic Mono" pitchFamily="1" charset="0"/>
               </a:rPr>
-              <a:t>	AND Password = ‘</a:t>
+              <a:t>	AND Password = '</a:t>
             </a:r>
             <a:r>
               <a:rPr lang="en-US" sz="1600" dirty="0" err="1">
@@ -12785,7 +13276,7 @@
               <a:rPr lang="en-US" sz="1600" dirty="0">
                 <a:latin typeface="Comic Mono" pitchFamily="1" charset="0"/>
               </a:rPr>
-              <a:t>’;</a:t>
+              <a:t>';</a:t>
             </a:r>
             <a:endParaRPr sz="1600" dirty="0">
               <a:latin typeface="Comic Mono" pitchFamily="1" charset="0"/>
@@ -13184,16 +13675,10 @@
             <a:endParaRPr sz="1600" dirty="0"/>
           </a:p>
           <a:p>
-            <a:pPr marL="457200" lvl="0" indent="-330200" algn="l" rtl="0">
+            <a:pPr marL="457200" lvl="0" indent="-330200">
               <a:lnSpc>
                 <a:spcPct val="115000"/>
               </a:lnSpc>
-              <a:spcBef>
-                <a:spcPts val="0"/>
-              </a:spcBef>
-              <a:spcAft>
-                <a:spcPts val="0"/>
-              </a:spcAft>
               <a:buClr>
                 <a:srgbClr val="D93232"/>
               </a:buClr>
@@ -13244,7 +13729,7 @@
                 </a:solidFill>
                 <a:latin typeface="Comic Mono" pitchFamily="1" charset="0"/>
               </a:rPr>
-              <a:t>‘ OR ‘a1’ = ‘a1</a:t>
+              <a:t> ' OR 'a1'='a1</a:t>
             </a:r>
             <a:endParaRPr sz="1600" dirty="0">
               <a:solidFill>
@@ -13399,16 +13884,10 @@
           </a:bodyPr>
           <a:lstStyle/>
           <a:p>
-            <a:pPr marL="127000" lvl="0" algn="l" rtl="0">
+            <a:pPr marL="127000" lvl="0">
               <a:lnSpc>
                 <a:spcPct val="115000"/>
               </a:lnSpc>
-              <a:spcBef>
-                <a:spcPts val="0"/>
-              </a:spcBef>
-              <a:spcAft>
-                <a:spcPts val="0"/>
-              </a:spcAft>
               <a:buClr>
                 <a:srgbClr val="D93232"/>
               </a:buClr>
@@ -13457,7 +13936,7 @@
               <a:rPr lang="en-US" sz="1600" dirty="0">
                 <a:latin typeface="Comic Mono" pitchFamily="1" charset="0"/>
               </a:rPr>
-              <a:t>WHERE Username = ‘</a:t>
+              <a:t>WHERE Username = '</a:t>
             </a:r>
             <a:r>
               <a:rPr lang="en-US" sz="1600" dirty="0" err="1">
@@ -13469,7 +13948,7 @@
               <a:rPr lang="en-US" sz="1600" dirty="0">
                 <a:latin typeface="Comic Mono" pitchFamily="1" charset="0"/>
               </a:rPr>
-              <a:t>’</a:t>
+              <a:t>'</a:t>
             </a:r>
             <a:br>
               <a:rPr lang="en-US" sz="1600" dirty="0">
@@ -13480,7 +13959,7 @@
               <a:rPr lang="en-US" sz="1600" dirty="0">
                 <a:latin typeface="Comic Mono" pitchFamily="1" charset="0"/>
               </a:rPr>
-              <a:t>	AND Password = ‘</a:t>
+              <a:t>	AND Password = '</a:t>
             </a:r>
             <a:r>
               <a:rPr lang="en-US" sz="1600" dirty="0">
@@ -13489,13 +13968,13 @@
                 </a:solidFill>
                 <a:latin typeface="Comic Mono" pitchFamily="1" charset="0"/>
               </a:rPr>
-              <a:t>’ OR ‘a1’ = ‘a1</a:t>
+              <a:t>' OR 'a1'='a1</a:t>
             </a:r>
             <a:r>
               <a:rPr lang="en-US" sz="1600" dirty="0">
                 <a:latin typeface="Comic Mono" pitchFamily="1" charset="0"/>
               </a:rPr>
-              <a:t>’;</a:t>
+              <a:t>';</a:t>
             </a:r>
             <a:endParaRPr sz="1600" dirty="0">
               <a:latin typeface="Comic Mono" pitchFamily="1" charset="0"/>
@@ -13517,277 +13996,6 @@
 </file>
 
 <file path=ppt/slides/slide7.xml><?xml version="1.0" encoding="utf-8"?>
-<p:sld xmlns:a="http://schemas.openxmlformats.org/drawingml/2006/main" xmlns:r="http://schemas.openxmlformats.org/officeDocument/2006/relationships" xmlns:p="http://schemas.openxmlformats.org/presentationml/2006/main">
-  <p:cSld>
-    <p:spTree>
-      <p:nvGrpSpPr>
-        <p:cNvPr id="1" name="Shape 127">
-          <a:extLst>
-            <a:ext uri="{FF2B5EF4-FFF2-40B4-BE49-F238E27FC236}">
-              <a16:creationId xmlns:a16="http://schemas.microsoft.com/office/drawing/2014/main" id="{3D5526D9-5742-D200-6B3B-A32F00BE6A62}"/>
-            </a:ext>
-          </a:extLst>
-        </p:cNvPr>
-        <p:cNvGrpSpPr/>
-        <p:nvPr/>
-      </p:nvGrpSpPr>
-      <p:grpSpPr>
-        <a:xfrm>
-          <a:off x="0" y="0"/>
-          <a:ext cx="0" cy="0"/>
-          <a:chOff x="0" y="0"/>
-          <a:chExt cx="0" cy="0"/>
-        </a:xfrm>
-      </p:grpSpPr>
-      <p:sp>
-        <p:nvSpPr>
-          <p:cNvPr id="128" name="Google Shape;128;p31">
-            <a:extLst>
-              <a:ext uri="{FF2B5EF4-FFF2-40B4-BE49-F238E27FC236}">
-                <a16:creationId xmlns:a16="http://schemas.microsoft.com/office/drawing/2014/main" id="{BC44BA00-2477-7776-957D-BACCC5B049AA}"/>
-              </a:ext>
-            </a:extLst>
-          </p:cNvPr>
-          <p:cNvSpPr txBox="1">
-            <a:spLocks noGrp="1"/>
-          </p:cNvSpPr>
-          <p:nvPr>
-            <p:ph type="title"/>
-          </p:nvPr>
-        </p:nvSpPr>
-        <p:spPr>
-          <a:xfrm>
-            <a:off x="1290150" y="1454970"/>
-            <a:ext cx="6563700" cy="572700"/>
-          </a:xfrm>
-          <a:prstGeom prst="rect">
-            <a:avLst/>
-          </a:prstGeom>
-        </p:spPr>
-        <p:txBody>
-          <a:bodyPr spcFirstLastPara="1" wrap="square" lIns="0" tIns="0" rIns="0" bIns="0" anchor="t" anchorCtr="0">
-            <a:noAutofit/>
-          </a:bodyPr>
-          <a:lstStyle/>
-          <a:p>
-            <a:pPr marL="0" lvl="0" indent="0" algn="ctr" rtl="0">
-              <a:spcBef>
-                <a:spcPts val="0"/>
-              </a:spcBef>
-              <a:spcAft>
-                <a:spcPts val="0"/>
-              </a:spcAft>
-              <a:buNone/>
-            </a:pPr>
-            <a:r>
-              <a:rPr lang="en-US" dirty="0"/>
-              <a:t>Una GRAN buona password…</a:t>
-            </a:r>
-            <a:endParaRPr dirty="0"/>
-          </a:p>
-        </p:txBody>
-      </p:sp>
-      <p:pic>
-        <p:nvPicPr>
-          <p:cNvPr id="129" name="Google Shape;129;p31">
-            <a:extLst>
-              <a:ext uri="{FF2B5EF4-FFF2-40B4-BE49-F238E27FC236}">
-                <a16:creationId xmlns:a16="http://schemas.microsoft.com/office/drawing/2014/main" id="{4DAED3D2-B059-E84F-199C-B14D40191AEE}"/>
-              </a:ext>
-            </a:extLst>
-          </p:cNvPr>
-          <p:cNvPicPr preferRelativeResize="0"/>
-          <p:nvPr/>
-        </p:nvPicPr>
-        <p:blipFill>
-          <a:blip r:embed="rId3">
-            <a:alphaModFix/>
-          </a:blip>
-          <a:stretch>
-            <a:fillRect/>
-          </a:stretch>
-        </p:blipFill>
-        <p:spPr>
-          <a:xfrm>
-            <a:off x="4116500" y="448013"/>
-            <a:ext cx="911000" cy="911000"/>
-          </a:xfrm>
-          <a:prstGeom prst="rect">
-            <a:avLst/>
-          </a:prstGeom>
-          <a:noFill/>
-          <a:ln>
-            <a:noFill/>
-          </a:ln>
-        </p:spPr>
-      </p:pic>
-      <p:sp>
-        <p:nvSpPr>
-          <p:cNvPr id="130" name="Google Shape;130;p31">
-            <a:extLst>
-              <a:ext uri="{FF2B5EF4-FFF2-40B4-BE49-F238E27FC236}">
-                <a16:creationId xmlns:a16="http://schemas.microsoft.com/office/drawing/2014/main" id="{1E78ACA2-9C6B-93DB-65AB-03207AC10BA2}"/>
-              </a:ext>
-            </a:extLst>
-          </p:cNvPr>
-          <p:cNvSpPr txBox="1">
-            <a:spLocks noGrp="1"/>
-          </p:cNvSpPr>
-          <p:nvPr>
-            <p:ph type="title" idx="2"/>
-          </p:nvPr>
-        </p:nvSpPr>
-        <p:spPr>
-          <a:xfrm>
-            <a:off x="1128450" y="2195169"/>
-            <a:ext cx="6887100" cy="2292051"/>
-          </a:xfrm>
-          <a:prstGeom prst="rect">
-            <a:avLst/>
-          </a:prstGeom>
-        </p:spPr>
-        <p:txBody>
-          <a:bodyPr spcFirstLastPara="1" wrap="square" lIns="0" tIns="0" rIns="0" bIns="0" anchor="t" anchorCtr="0">
-            <a:noAutofit/>
-          </a:bodyPr>
-          <a:lstStyle/>
-          <a:p>
-            <a:pPr marL="127000" lvl="0" algn="l" rtl="0">
-              <a:lnSpc>
-                <a:spcPct val="115000"/>
-              </a:lnSpc>
-              <a:spcBef>
-                <a:spcPts val="0"/>
-              </a:spcBef>
-              <a:spcAft>
-                <a:spcPts val="0"/>
-              </a:spcAft>
-              <a:buClr>
-                <a:srgbClr val="D93232"/>
-              </a:buClr>
-              <a:buSzPts val="1600"/>
-            </a:pPr>
-            <a:r>
-              <a:rPr lang="en-US" sz="1600" dirty="0">
-                <a:latin typeface="Comic Mono" pitchFamily="1" charset="0"/>
-              </a:rPr>
-              <a:t>SELECT TOP (1)</a:t>
-            </a:r>
-            <a:br>
-              <a:rPr lang="en-US" sz="1600" dirty="0">
-                <a:latin typeface="Comic Mono" pitchFamily="1" charset="0"/>
-              </a:rPr>
-            </a:br>
-            <a:r>
-              <a:rPr lang="en-US" sz="1600" dirty="0">
-                <a:latin typeface="Comic Mono" pitchFamily="1" charset="0"/>
-              </a:rPr>
-              <a:t>	*</a:t>
-            </a:r>
-            <a:br>
-              <a:rPr lang="en-US" sz="1600" dirty="0">
-                <a:latin typeface="Comic Mono" pitchFamily="1" charset="0"/>
-              </a:rPr>
-            </a:br>
-            <a:r>
-              <a:rPr lang="en-US" sz="1600" dirty="0">
-                <a:latin typeface="Comic Mono" pitchFamily="1" charset="0"/>
-              </a:rPr>
-              <a:t>FROM </a:t>
-            </a:r>
-            <a:r>
-              <a:rPr lang="en-US" sz="1600" dirty="0" err="1">
-                <a:latin typeface="Comic Mono" pitchFamily="1" charset="0"/>
-              </a:rPr>
-              <a:t>dbo.Users</a:t>
-            </a:r>
-            <a:br>
-              <a:rPr lang="en-US" sz="1600" dirty="0">
-                <a:latin typeface="Comic Mono" pitchFamily="1" charset="0"/>
-              </a:rPr>
-            </a:br>
-            <a:r>
-              <a:rPr lang="en-US" sz="1600" dirty="0">
-                <a:latin typeface="Comic Mono" pitchFamily="1" charset="0"/>
-              </a:rPr>
-              <a:t>WHERE Username = ‘</a:t>
-            </a:r>
-            <a:r>
-              <a:rPr lang="en-US" sz="1600" dirty="0" err="1">
-                <a:latin typeface="Comic Mono" pitchFamily="1" charset="0"/>
-              </a:rPr>
-              <a:t>testuser</a:t>
-            </a:r>
-            <a:r>
-              <a:rPr lang="en-US" sz="1600" dirty="0">
-                <a:latin typeface="Comic Mono" pitchFamily="1" charset="0"/>
-              </a:rPr>
-              <a:t>’</a:t>
-            </a:r>
-            <a:br>
-              <a:rPr lang="en-US" sz="1600" dirty="0">
-                <a:latin typeface="Comic Mono" pitchFamily="1" charset="0"/>
-              </a:rPr>
-            </a:br>
-            <a:r>
-              <a:rPr lang="en-US" sz="1600" dirty="0">
-                <a:latin typeface="Comic Mono" pitchFamily="1" charset="0"/>
-              </a:rPr>
-              <a:t>	AND Password = ‘</a:t>
-            </a:r>
-            <a:r>
-              <a:rPr lang="en-US" sz="1600" dirty="0">
-                <a:solidFill>
-                  <a:srgbClr val="FF0000"/>
-                </a:solidFill>
-                <a:latin typeface="Comic Mono" pitchFamily="1" charset="0"/>
-              </a:rPr>
-              <a:t>’ OR ‘a1’ = ‘a1’; INSERT INTO </a:t>
-            </a:r>
-            <a:r>
-              <a:rPr lang="en-US" sz="1600" dirty="0" err="1">
-                <a:solidFill>
-                  <a:srgbClr val="FF0000"/>
-                </a:solidFill>
-                <a:latin typeface="Comic Mono" pitchFamily="1" charset="0"/>
-              </a:rPr>
-              <a:t>dbo.Users</a:t>
-            </a:r>
-            <a:r>
-              <a:rPr lang="en-US" sz="1600" dirty="0">
-                <a:solidFill>
-                  <a:srgbClr val="FF0000"/>
-                </a:solidFill>
-                <a:latin typeface="Comic Mono" pitchFamily="1" charset="0"/>
-              </a:rPr>
-              <a:t> (Email, Password) VALUES (‘pippo@disney.com’, ‘clarabella’); --</a:t>
-            </a:r>
-            <a:r>
-              <a:rPr lang="en-US" sz="1600" dirty="0">
-                <a:latin typeface="Comic Mono" pitchFamily="1" charset="0"/>
-              </a:rPr>
-              <a:t>’;</a:t>
-            </a:r>
-            <a:endParaRPr sz="1600" dirty="0">
-              <a:latin typeface="Comic Mono" pitchFamily="1" charset="0"/>
-            </a:endParaRPr>
-          </a:p>
-        </p:txBody>
-      </p:sp>
-    </p:spTree>
-    <p:extLst>
-      <p:ext uri="{BB962C8B-B14F-4D97-AF65-F5344CB8AC3E}">
-        <p14:creationId xmlns:p14="http://schemas.microsoft.com/office/powerpoint/2010/main" val="905619501"/>
-      </p:ext>
-    </p:extLst>
-  </p:cSld>
-  <p:clrMapOvr>
-    <a:masterClrMapping/>
-  </p:clrMapOvr>
-</p:sld>
-</file>
-
-<file path=ppt/slides/slide8.xml><?xml version="1.0" encoding="utf-8"?>
 <p:sld xmlns:a="http://schemas.openxmlformats.org/drawingml/2006/main" xmlns:r="http://schemas.openxmlformats.org/officeDocument/2006/relationships" xmlns:p="http://schemas.openxmlformats.org/presentationml/2006/main">
   <p:cSld>
     <p:spTree>
@@ -14062,7 +14270,7 @@
               <a:rPr lang="en-US" sz="1400" dirty="0">
                 <a:latin typeface="Comic Mono" pitchFamily="1" charset="0"/>
               </a:rPr>
-              <a:t>	AND Title LIKE ‘%</a:t>
+              <a:t>	AND Title LIKE '%</a:t>
             </a:r>
             <a:r>
               <a:rPr lang="en-US" sz="1400" dirty="0">
@@ -14071,7 +14279,7 @@
                 </a:solidFill>
                 <a:latin typeface="Comic Mono" pitchFamily="1" charset="0"/>
               </a:rPr>
-              <a:t>’ UNION ALL SELECT NULL, CONCAT(S.name, ‘.’, T.name, ‘.’, C.name), NULL, NULL, NULL, NULL FROM </a:t>
+              <a:t>' UNION ALL SELECT NULL, CONCAT(S.name, '.', T.name, '.', C.name), NULL, NULL, NULL, NULL FROM </a:t>
             </a:r>
             <a:r>
               <a:rPr lang="en-US" sz="1400" dirty="0" err="1">
@@ -14203,7 +14411,7 @@
               <a:rPr lang="en-US" sz="1400" dirty="0">
                 <a:latin typeface="Comic Mono" pitchFamily="1" charset="0"/>
               </a:rPr>
-              <a:t>%’ ORDER BY </a:t>
+              <a:t>%' ORDER BY </a:t>
             </a:r>
             <a:r>
               <a:rPr lang="en-US" sz="1400" dirty="0" err="1">
@@ -14227,6 +14435,289 @@
     <p:extLst>
       <p:ext uri="{BB962C8B-B14F-4D97-AF65-F5344CB8AC3E}">
         <p14:creationId xmlns:p14="http://schemas.microsoft.com/office/powerpoint/2010/main" val="3774498867"/>
+      </p:ext>
+    </p:extLst>
+  </p:cSld>
+  <p:clrMapOvr>
+    <a:masterClrMapping/>
+  </p:clrMapOvr>
+</p:sld>
+</file>
+
+<file path=ppt/slides/slide8.xml><?xml version="1.0" encoding="utf-8"?>
+<p:sld xmlns:a="http://schemas.openxmlformats.org/drawingml/2006/main" xmlns:r="http://schemas.openxmlformats.org/officeDocument/2006/relationships" xmlns:p="http://schemas.openxmlformats.org/presentationml/2006/main">
+  <p:cSld>
+    <p:spTree>
+      <p:nvGrpSpPr>
+        <p:cNvPr id="1" name="Shape 127">
+          <a:extLst>
+            <a:ext uri="{FF2B5EF4-FFF2-40B4-BE49-F238E27FC236}">
+              <a16:creationId xmlns:a16="http://schemas.microsoft.com/office/drawing/2014/main" id="{3D5526D9-5742-D200-6B3B-A32F00BE6A62}"/>
+            </a:ext>
+          </a:extLst>
+        </p:cNvPr>
+        <p:cNvGrpSpPr/>
+        <p:nvPr/>
+      </p:nvGrpSpPr>
+      <p:grpSpPr>
+        <a:xfrm>
+          <a:off x="0" y="0"/>
+          <a:ext cx="0" cy="0"/>
+          <a:chOff x="0" y="0"/>
+          <a:chExt cx="0" cy="0"/>
+        </a:xfrm>
+      </p:grpSpPr>
+      <p:sp>
+        <p:nvSpPr>
+          <p:cNvPr id="128" name="Google Shape;128;p31">
+            <a:extLst>
+              <a:ext uri="{FF2B5EF4-FFF2-40B4-BE49-F238E27FC236}">
+                <a16:creationId xmlns:a16="http://schemas.microsoft.com/office/drawing/2014/main" id="{BC44BA00-2477-7776-957D-BACCC5B049AA}"/>
+              </a:ext>
+            </a:extLst>
+          </p:cNvPr>
+          <p:cNvSpPr txBox="1">
+            <a:spLocks noGrp="1"/>
+          </p:cNvSpPr>
+          <p:nvPr>
+            <p:ph type="title"/>
+          </p:nvPr>
+        </p:nvSpPr>
+        <p:spPr>
+          <a:xfrm>
+            <a:off x="1290150" y="1454970"/>
+            <a:ext cx="6563700" cy="572700"/>
+          </a:xfrm>
+          <a:prstGeom prst="rect">
+            <a:avLst/>
+          </a:prstGeom>
+        </p:spPr>
+        <p:txBody>
+          <a:bodyPr spcFirstLastPara="1" wrap="square" lIns="0" tIns="0" rIns="0" bIns="0" anchor="t" anchorCtr="0">
+            <a:noAutofit/>
+          </a:bodyPr>
+          <a:lstStyle/>
+          <a:p>
+            <a:pPr marL="0" lvl="0" indent="0" algn="ctr" rtl="0">
+              <a:spcBef>
+                <a:spcPts val="0"/>
+              </a:spcBef>
+              <a:spcAft>
+                <a:spcPts val="0"/>
+              </a:spcAft>
+              <a:buNone/>
+            </a:pPr>
+            <a:r>
+              <a:rPr lang="en-US" dirty="0"/>
+              <a:t>Una GRAN buona password…</a:t>
+            </a:r>
+            <a:endParaRPr dirty="0"/>
+          </a:p>
+        </p:txBody>
+      </p:sp>
+      <p:pic>
+        <p:nvPicPr>
+          <p:cNvPr id="129" name="Google Shape;129;p31">
+            <a:extLst>
+              <a:ext uri="{FF2B5EF4-FFF2-40B4-BE49-F238E27FC236}">
+                <a16:creationId xmlns:a16="http://schemas.microsoft.com/office/drawing/2014/main" id="{4DAED3D2-B059-E84F-199C-B14D40191AEE}"/>
+              </a:ext>
+            </a:extLst>
+          </p:cNvPr>
+          <p:cNvPicPr preferRelativeResize="0"/>
+          <p:nvPr/>
+        </p:nvPicPr>
+        <p:blipFill>
+          <a:blip r:embed="rId3">
+            <a:alphaModFix/>
+          </a:blip>
+          <a:stretch>
+            <a:fillRect/>
+          </a:stretch>
+        </p:blipFill>
+        <p:spPr>
+          <a:xfrm>
+            <a:off x="4116500" y="448013"/>
+            <a:ext cx="911000" cy="911000"/>
+          </a:xfrm>
+          <a:prstGeom prst="rect">
+            <a:avLst/>
+          </a:prstGeom>
+          <a:noFill/>
+          <a:ln>
+            <a:noFill/>
+          </a:ln>
+        </p:spPr>
+      </p:pic>
+      <p:sp>
+        <p:nvSpPr>
+          <p:cNvPr id="130" name="Google Shape;130;p31">
+            <a:extLst>
+              <a:ext uri="{FF2B5EF4-FFF2-40B4-BE49-F238E27FC236}">
+                <a16:creationId xmlns:a16="http://schemas.microsoft.com/office/drawing/2014/main" id="{1E78ACA2-9C6B-93DB-65AB-03207AC10BA2}"/>
+              </a:ext>
+            </a:extLst>
+          </p:cNvPr>
+          <p:cNvSpPr txBox="1">
+            <a:spLocks noGrp="1"/>
+          </p:cNvSpPr>
+          <p:nvPr>
+            <p:ph type="title" idx="2"/>
+          </p:nvPr>
+        </p:nvSpPr>
+        <p:spPr>
+          <a:xfrm>
+            <a:off x="1128450" y="2195169"/>
+            <a:ext cx="6887100" cy="2292051"/>
+          </a:xfrm>
+          <a:prstGeom prst="rect">
+            <a:avLst/>
+          </a:prstGeom>
+        </p:spPr>
+        <p:txBody>
+          <a:bodyPr spcFirstLastPara="1" wrap="square" lIns="0" tIns="0" rIns="0" bIns="0" anchor="t" anchorCtr="0">
+            <a:noAutofit/>
+          </a:bodyPr>
+          <a:lstStyle/>
+          <a:p>
+            <a:pPr marL="127000" lvl="0">
+              <a:lnSpc>
+                <a:spcPct val="115000"/>
+              </a:lnSpc>
+              <a:buClr>
+                <a:srgbClr val="D93232"/>
+              </a:buClr>
+              <a:buSzPts val="1600"/>
+            </a:pPr>
+            <a:r>
+              <a:rPr lang="en-US" sz="1600" dirty="0">
+                <a:latin typeface="Comic Mono" pitchFamily="1" charset="0"/>
+              </a:rPr>
+              <a:t>SELECT TOP (1)</a:t>
+            </a:r>
+            <a:br>
+              <a:rPr lang="en-US" sz="1600" dirty="0">
+                <a:latin typeface="Comic Mono" pitchFamily="1" charset="0"/>
+              </a:rPr>
+            </a:br>
+            <a:r>
+              <a:rPr lang="en-US" sz="1600" dirty="0">
+                <a:latin typeface="Comic Mono" pitchFamily="1" charset="0"/>
+              </a:rPr>
+              <a:t>	*</a:t>
+            </a:r>
+            <a:br>
+              <a:rPr lang="en-US" sz="1600" dirty="0">
+                <a:latin typeface="Comic Mono" pitchFamily="1" charset="0"/>
+              </a:rPr>
+            </a:br>
+            <a:r>
+              <a:rPr lang="en-US" sz="1600" dirty="0">
+                <a:latin typeface="Comic Mono" pitchFamily="1" charset="0"/>
+              </a:rPr>
+              <a:t>FROM </a:t>
+            </a:r>
+            <a:r>
+              <a:rPr lang="en-US" sz="1600" dirty="0" err="1">
+                <a:latin typeface="Comic Mono" pitchFamily="1" charset="0"/>
+              </a:rPr>
+              <a:t>dbo.Users</a:t>
+            </a:r>
+            <a:br>
+              <a:rPr lang="en-US" sz="1600" dirty="0">
+                <a:latin typeface="Comic Mono" pitchFamily="1" charset="0"/>
+              </a:rPr>
+            </a:br>
+            <a:r>
+              <a:rPr lang="en-US" sz="1600" dirty="0">
+                <a:latin typeface="Comic Mono" pitchFamily="1" charset="0"/>
+              </a:rPr>
+              <a:t>WHERE Username = '</a:t>
+            </a:r>
+            <a:r>
+              <a:rPr lang="en-US" sz="1600" dirty="0" err="1">
+                <a:latin typeface="Comic Mono" pitchFamily="1" charset="0"/>
+              </a:rPr>
+              <a:t>testuser</a:t>
+            </a:r>
+            <a:r>
+              <a:rPr lang="en-US" sz="1600" dirty="0">
+                <a:latin typeface="Comic Mono" pitchFamily="1" charset="0"/>
+              </a:rPr>
+              <a:t>’</a:t>
+            </a:r>
+            <a:br>
+              <a:rPr lang="en-US" sz="1600" dirty="0">
+                <a:latin typeface="Comic Mono" pitchFamily="1" charset="0"/>
+              </a:rPr>
+            </a:br>
+            <a:r>
+              <a:rPr lang="en-US" sz="1600" dirty="0">
+                <a:latin typeface="Comic Mono" pitchFamily="1" charset="0"/>
+              </a:rPr>
+              <a:t>	AND Password = '</a:t>
+            </a:r>
+            <a:r>
+              <a:rPr lang="en-US" sz="1600" dirty="0">
+                <a:solidFill>
+                  <a:srgbClr val="FF0000"/>
+                </a:solidFill>
+                <a:latin typeface="Comic Mono" pitchFamily="1" charset="0"/>
+              </a:rPr>
+              <a:t>'; INSERT INTO </a:t>
+            </a:r>
+            <a:r>
+              <a:rPr lang="en-US" sz="1600" dirty="0" err="1">
+                <a:solidFill>
+                  <a:srgbClr val="FF0000"/>
+                </a:solidFill>
+                <a:latin typeface="Comic Mono" pitchFamily="1" charset="0"/>
+              </a:rPr>
+              <a:t>dbo.Users</a:t>
+            </a:r>
+            <a:r>
+              <a:rPr lang="en-US" sz="1600" dirty="0">
+                <a:solidFill>
+                  <a:srgbClr val="FF0000"/>
+                </a:solidFill>
+                <a:latin typeface="Comic Mono" pitchFamily="1" charset="0"/>
+              </a:rPr>
+              <a:t> (Email, Password, FirstName, LastName) VALUES ('pippo@disney.com', 'clarabella', 'Pippo', 'De'' </a:t>
+            </a:r>
+            <a:r>
+              <a:rPr lang="en-US" sz="1600" dirty="0" err="1">
+                <a:solidFill>
+                  <a:srgbClr val="FF0000"/>
+                </a:solidFill>
+                <a:latin typeface="Comic Mono" pitchFamily="1" charset="0"/>
+              </a:rPr>
+              <a:t>Pippis</a:t>
+            </a:r>
+            <a:r>
+              <a:rPr lang="en-US" sz="1600" dirty="0">
+                <a:solidFill>
+                  <a:srgbClr val="FF0000"/>
+                </a:solidFill>
+                <a:latin typeface="Comic Mono" pitchFamily="1" charset="0"/>
+              </a:rPr>
+              <a:t>');--</a:t>
+            </a:r>
+            <a:r>
+              <a:rPr lang="en-US" sz="1600" dirty="0">
+                <a:latin typeface="Comic Mono" pitchFamily="1" charset="0"/>
+              </a:rPr>
+              <a:t>';</a:t>
+            </a:r>
+            <a:endParaRPr sz="1600" dirty="0">
+              <a:latin typeface="Comic Mono" pitchFamily="1" charset="0"/>
+            </a:endParaRPr>
+          </a:p>
+        </p:txBody>
+      </p:sp>
+    </p:spTree>
+    <p:extLst>
+      <p:ext uri="{BB962C8B-B14F-4D97-AF65-F5344CB8AC3E}">
+        <p14:creationId xmlns:p14="http://schemas.microsoft.com/office/powerpoint/2010/main" val="905619501"/>
       </p:ext>
     </p:extLst>
   </p:cSld>
@@ -14503,7 +14994,7 @@
               <a:rPr lang="en-US" sz="1400" dirty="0">
                 <a:latin typeface="Comic Mono" pitchFamily="1" charset="0"/>
               </a:rPr>
-              <a:t>	AND Title LIKE ‘%</a:t>
+              <a:t>	AND Title LIKE '%</a:t>
             </a:r>
             <a:r>
               <a:rPr lang="en-US" sz="1400" dirty="0">
@@ -14512,7 +15003,7 @@
                 </a:solidFill>
                 <a:latin typeface="Comic Mono" pitchFamily="1" charset="0"/>
               </a:rPr>
-              <a:t>’; INSERT INTO </a:t>
+              <a:t>'; INSERT INTO </a:t>
             </a:r>
             <a:r>
               <a:rPr lang="en-US" sz="1400" dirty="0" err="1">
@@ -14602,7 +15093,7 @@
                 </a:solidFill>
                 <a:latin typeface="Comic Mono" pitchFamily="1" charset="0"/>
               </a:rPr>
-              <a:t> WHERE Email = ‘pippo@disney.com’) FROM </a:t>
+              <a:t> WHERE Email = 'pippo@disney.com') FROM </a:t>
             </a:r>
             <a:r>
               <a:rPr lang="en-US" sz="1400" dirty="0" err="1">
@@ -14626,7 +15117,7 @@
               <a:rPr lang="en-US" sz="1400" dirty="0">
                 <a:latin typeface="Comic Mono" pitchFamily="1" charset="0"/>
               </a:rPr>
-              <a:t>%’ ORDER BY </a:t>
+              <a:t>%' ORDER BY </a:t>
             </a:r>
             <a:r>
               <a:rPr lang="en-US" sz="1400" dirty="0" err="1">
